--- a/演示ppt/诚信工长装修平台的设计与实现.pptx
+++ b/演示ppt/诚信工长装修平台的设计与实现.pptx
@@ -6,7 +6,7 @@
     <p:sldMasterId id="2147483660" r:id="rId2"/>
   </p:sldMasterIdLst>
   <p:notesMasterIdLst>
-    <p:notesMasterId r:id="rId17"/>
+    <p:notesMasterId r:id="rId18"/>
   </p:notesMasterIdLst>
   <p:sldIdLst>
     <p:sldId id="256" r:id="rId3"/>
@@ -22,7 +22,8 @@
     <p:sldId id="272" r:id="rId13"/>
     <p:sldId id="267" r:id="rId14"/>
     <p:sldId id="274" r:id="rId15"/>
-    <p:sldId id="291" r:id="rId16"/>
+    <p:sldId id="287" r:id="rId16"/>
+    <p:sldId id="291" r:id="rId17"/>
   </p:sldIdLst>
   <p:sldSz cx="12192000" cy="6858000"/>
   <p:notesSz cx="6858000" cy="9144000"/>
@@ -222,7 +223,7 @@
           <a:p>
             <a:fld id="{82A11523-73C7-4C3F-ACB9-983BA415FB6E}" type="datetimeFigureOut">
               <a:rPr lang="zh-CN" altLang="en-US" smtClean="0"/>
-              <a:t>2021/5/27</a:t>
+              <a:t>2021/5/29</a:t>
             </a:fld>
             <a:endParaRPr lang="zh-CN" altLang="en-US"/>
           </a:p>
@@ -1280,6 +1281,150 @@
                 <a:defRPr/>
               </a:pPr>
               <a:t>14</a:t>
+            </a:fld>
+            <a:endParaRPr kumimoji="1" lang="zh-CN" altLang="en-US" sz="1200" b="0" i="0" u="none" strike="noStrike" kern="1200" cap="none" spc="0" normalizeH="0" baseline="0" noProof="0">
+              <a:ln>
+                <a:noFill/>
+              </a:ln>
+              <a:solidFill>
+                <a:prstClr val="black"/>
+              </a:solidFill>
+              <a:effectLst/>
+              <a:uLnTx/>
+              <a:uFillTx/>
+              <a:latin typeface="Calibri"/>
+              <a:ea typeface="宋体" panose="02010600030101010101" pitchFamily="2" charset="-122"/>
+              <a:cs typeface="+mn-cs"/>
+            </a:endParaRPr>
+          </a:p>
+        </p:txBody>
+      </p:sp>
+    </p:spTree>
+    <p:extLst>
+      <p:ext uri="{BB962C8B-B14F-4D97-AF65-F5344CB8AC3E}">
+        <p14:creationId xmlns:p14="http://schemas.microsoft.com/office/powerpoint/2010/main" val="2797875662"/>
+      </p:ext>
+    </p:extLst>
+  </p:cSld>
+  <p:clrMapOvr>
+    <a:masterClrMapping/>
+  </p:clrMapOvr>
+</p:notes>
+</file>
+
+<file path=ppt/notesSlides/notesSlide14.xml><?xml version="1.0" encoding="utf-8"?>
+<p:notes xmlns:a="http://schemas.openxmlformats.org/drawingml/2006/main" xmlns:r="http://schemas.openxmlformats.org/officeDocument/2006/relationships" xmlns:p="http://schemas.openxmlformats.org/presentationml/2006/main">
+  <p:cSld>
+    <p:spTree>
+      <p:nvGrpSpPr>
+        <p:cNvPr id="1" name=""/>
+        <p:cNvGrpSpPr/>
+        <p:nvPr/>
+      </p:nvGrpSpPr>
+      <p:grpSpPr>
+        <a:xfrm>
+          <a:off x="0" y="0"/>
+          <a:ext cx="0" cy="0"/>
+          <a:chOff x="0" y="0"/>
+          <a:chExt cx="0" cy="0"/>
+        </a:xfrm>
+      </p:grpSpPr>
+      <p:sp>
+        <p:nvSpPr>
+          <p:cNvPr id="2" name="幻灯片图像占位符 1"/>
+          <p:cNvSpPr>
+            <a:spLocks noGrp="1" noRot="1" noChangeAspect="1"/>
+          </p:cNvSpPr>
+          <p:nvPr>
+            <p:ph type="sldImg"/>
+          </p:nvPr>
+        </p:nvSpPr>
+        <p:spPr/>
+      </p:sp>
+      <p:sp>
+        <p:nvSpPr>
+          <p:cNvPr id="3" name="备注占位符 2"/>
+          <p:cNvSpPr>
+            <a:spLocks noGrp="1"/>
+          </p:cNvSpPr>
+          <p:nvPr>
+            <p:ph type="body" idx="1"/>
+          </p:nvPr>
+        </p:nvSpPr>
+        <p:spPr/>
+        <p:txBody>
+          <a:bodyPr/>
+          <a:lstStyle/>
+          <a:p>
+            <a:endParaRPr lang="zh-CN" altLang="en-US"/>
+          </a:p>
+        </p:txBody>
+      </p:sp>
+      <p:sp>
+        <p:nvSpPr>
+          <p:cNvPr id="4" name="灯片编号占位符 3"/>
+          <p:cNvSpPr>
+            <a:spLocks noGrp="1"/>
+          </p:cNvSpPr>
+          <p:nvPr>
+            <p:ph type="sldNum" sz="quarter" idx="10"/>
+          </p:nvPr>
+        </p:nvSpPr>
+        <p:spPr/>
+        <p:txBody>
+          <a:bodyPr/>
+          <a:lstStyle/>
+          <a:p>
+            <a:pPr marL="0" marR="0" lvl="0" indent="0" algn="r" defTabSz="342900" rtl="0" eaLnBrk="1" fontAlgn="auto" latinLnBrk="0" hangingPunct="1">
+              <a:lnSpc>
+                <a:spcPct val="100000"/>
+              </a:lnSpc>
+              <a:spcBef>
+                <a:spcPts val="0"/>
+              </a:spcBef>
+              <a:spcAft>
+                <a:spcPts val="0"/>
+              </a:spcAft>
+              <a:buClrTx/>
+              <a:buSzTx/>
+              <a:buFontTx/>
+              <a:buNone/>
+              <a:tabLst/>
+              <a:defRPr/>
+            </a:pPr>
+            <a:fld id="{D712715C-60D8-4442-95C1-470452B8606C}" type="slidenum">
+              <a:rPr kumimoji="1" lang="zh-CN" altLang="en-US" sz="1200" b="0" i="0" u="none" strike="noStrike" kern="1200" cap="none" spc="0" normalizeH="0" baseline="0" noProof="0" smtClean="0">
+                <a:ln>
+                  <a:noFill/>
+                </a:ln>
+                <a:solidFill>
+                  <a:prstClr val="black"/>
+                </a:solidFill>
+                <a:effectLst/>
+                <a:uLnTx/>
+                <a:uFillTx/>
+                <a:latin typeface="Calibri"/>
+                <a:ea typeface="宋体" panose="02010600030101010101" pitchFamily="2" charset="-122"/>
+                <a:cs typeface="+mn-cs"/>
+              </a:rPr>
+              <a:pPr marL="0" marR="0" lvl="0" indent="0" algn="r" defTabSz="342900" rtl="0" eaLnBrk="1" fontAlgn="auto" latinLnBrk="0" hangingPunct="1">
+                <a:lnSpc>
+                  <a:spcPct val="100000"/>
+                </a:lnSpc>
+                <a:spcBef>
+                  <a:spcPts val="0"/>
+                </a:spcBef>
+                <a:spcAft>
+                  <a:spcPts val="0"/>
+                </a:spcAft>
+                <a:buClrTx/>
+                <a:buSzTx/>
+                <a:buFontTx/>
+                <a:buNone/>
+                <a:tabLst/>
+                <a:defRPr/>
+              </a:pPr>
+              <a:t>15</a:t>
             </a:fld>
             <a:endParaRPr kumimoji="1" lang="zh-CN" altLang="en-US" sz="1200" b="0" i="0" u="none" strike="noStrike" kern="1200" cap="none" spc="0" normalizeH="0" baseline="0" noProof="0">
               <a:ln>
@@ -2763,7 +2908,7 @@
           <a:p>
             <a:fld id="{0F35E8C6-A999-4613-88ED-984B5A854957}" type="datetimeFigureOut">
               <a:rPr lang="zh-CN" altLang="en-US" smtClean="0"/>
-              <a:t>2021/5/27</a:t>
+              <a:t>2021/5/29</a:t>
             </a:fld>
             <a:endParaRPr lang="zh-CN" altLang="en-US"/>
           </a:p>
@@ -2961,7 +3106,7 @@
           <a:p>
             <a:fld id="{0F35E8C6-A999-4613-88ED-984B5A854957}" type="datetimeFigureOut">
               <a:rPr lang="zh-CN" altLang="en-US" smtClean="0"/>
-              <a:t>2021/5/27</a:t>
+              <a:t>2021/5/29</a:t>
             </a:fld>
             <a:endParaRPr lang="zh-CN" altLang="en-US"/>
           </a:p>
@@ -3169,7 +3314,7 @@
           <a:p>
             <a:fld id="{0F35E8C6-A999-4613-88ED-984B5A854957}" type="datetimeFigureOut">
               <a:rPr lang="zh-CN" altLang="en-US" smtClean="0"/>
-              <a:t>2021/5/27</a:t>
+              <a:t>2021/5/29</a:t>
             </a:fld>
             <a:endParaRPr lang="zh-CN" altLang="en-US"/>
           </a:p>
@@ -3570,7 +3715,7 @@
           <a:p>
             <a:fld id="{0F35E8C6-A999-4613-88ED-984B5A854957}" type="datetimeFigureOut">
               <a:rPr lang="zh-CN" altLang="en-US" smtClean="0"/>
-              <a:t>2021/5/27</a:t>
+              <a:t>2021/5/29</a:t>
             </a:fld>
             <a:endParaRPr lang="zh-CN" altLang="en-US"/>
           </a:p>
@@ -3845,7 +3990,7 @@
           <a:p>
             <a:fld id="{0F35E8C6-A999-4613-88ED-984B5A854957}" type="datetimeFigureOut">
               <a:rPr lang="zh-CN" altLang="en-US" smtClean="0"/>
-              <a:t>2021/5/27</a:t>
+              <a:t>2021/5/29</a:t>
             </a:fld>
             <a:endParaRPr lang="zh-CN" altLang="en-US"/>
           </a:p>
@@ -4110,7 +4255,7 @@
           <a:p>
             <a:fld id="{0F35E8C6-A999-4613-88ED-984B5A854957}" type="datetimeFigureOut">
               <a:rPr lang="zh-CN" altLang="en-US" smtClean="0"/>
-              <a:t>2021/5/27</a:t>
+              <a:t>2021/5/29</a:t>
             </a:fld>
             <a:endParaRPr lang="zh-CN" altLang="en-US"/>
           </a:p>
@@ -4522,7 +4667,7 @@
           <a:p>
             <a:fld id="{0F35E8C6-A999-4613-88ED-984B5A854957}" type="datetimeFigureOut">
               <a:rPr lang="zh-CN" altLang="en-US" smtClean="0"/>
-              <a:t>2021/5/27</a:t>
+              <a:t>2021/5/29</a:t>
             </a:fld>
             <a:endParaRPr lang="zh-CN" altLang="en-US"/>
           </a:p>
@@ -4663,7 +4808,7 @@
           <a:p>
             <a:fld id="{0F35E8C6-A999-4613-88ED-984B5A854957}" type="datetimeFigureOut">
               <a:rPr lang="zh-CN" altLang="en-US" smtClean="0"/>
-              <a:t>2021/5/27</a:t>
+              <a:t>2021/5/29</a:t>
             </a:fld>
             <a:endParaRPr lang="zh-CN" altLang="en-US"/>
           </a:p>
@@ -4776,7 +4921,7 @@
           <a:p>
             <a:fld id="{0F35E8C6-A999-4613-88ED-984B5A854957}" type="datetimeFigureOut">
               <a:rPr lang="zh-CN" altLang="en-US" smtClean="0"/>
-              <a:t>2021/5/27</a:t>
+              <a:t>2021/5/29</a:t>
             </a:fld>
             <a:endParaRPr lang="zh-CN" altLang="en-US"/>
           </a:p>
@@ -5087,7 +5232,7 @@
           <a:p>
             <a:fld id="{0F35E8C6-A999-4613-88ED-984B5A854957}" type="datetimeFigureOut">
               <a:rPr lang="zh-CN" altLang="en-US" smtClean="0"/>
-              <a:t>2021/5/27</a:t>
+              <a:t>2021/5/29</a:t>
             </a:fld>
             <a:endParaRPr lang="zh-CN" altLang="en-US"/>
           </a:p>
@@ -5375,7 +5520,7 @@
           <a:p>
             <a:fld id="{0F35E8C6-A999-4613-88ED-984B5A854957}" type="datetimeFigureOut">
               <a:rPr lang="zh-CN" altLang="en-US" smtClean="0"/>
-              <a:t>2021/5/27</a:t>
+              <a:t>2021/5/29</a:t>
             </a:fld>
             <a:endParaRPr lang="zh-CN" altLang="en-US"/>
           </a:p>
@@ -5616,7 +5761,7 @@
           <a:p>
             <a:fld id="{0F35E8C6-A999-4613-88ED-984B5A854957}" type="datetimeFigureOut">
               <a:rPr lang="zh-CN" altLang="en-US" smtClean="0"/>
-              <a:t>2021/5/27</a:t>
+              <a:t>2021/5/29</a:t>
             </a:fld>
             <a:endParaRPr lang="zh-CN" altLang="en-US"/>
           </a:p>
@@ -6578,7 +6723,7 @@
                 <a:latin typeface="微软雅黑" panose="020B0503020204020204" pitchFamily="34" charset="-122"/>
                 <a:ea typeface="微软雅黑" panose="020B0503020204020204" pitchFamily="34" charset="-122"/>
               </a:rPr>
-              <a:t>2017</a:t>
+              <a:t>2021</a:t>
             </a:r>
             <a:r>
               <a:rPr lang="zh-CN" altLang="en-US" sz="1867" b="1" dirty="0">
@@ -6588,7 +6733,7 @@
                 <a:latin typeface="微软雅黑" panose="020B0503020204020204" pitchFamily="34" charset="-122"/>
                 <a:ea typeface="微软雅黑" panose="020B0503020204020204" pitchFamily="34" charset="-122"/>
               </a:rPr>
-              <a:t>级信息管理与信息系统 </a:t>
+              <a:t>届信息管理与信息系统 </a:t>
             </a:r>
             <a:r>
               <a:rPr lang="en-US" altLang="zh-CN" sz="1867" b="1" dirty="0">
@@ -13928,8 +14073,8 @@
   <p:transition spd="slow" advClick="0" advTm="0">
     <p:pull/>
   </p:transition>
-  <mc:AlternateContent xmlns:mc="http://schemas.openxmlformats.org/markup-compatibility/2006">
-    <mc:Choice xmlns:p14="http://schemas.microsoft.com/office/powerpoint/2010/main" Requires="p14">
+  <mc:AlternateContent xmlns:mc="http://schemas.openxmlformats.org/markup-compatibility/2006" xmlns:p14="http://schemas.microsoft.com/office/powerpoint/2010/main">
+    <mc:Choice Requires="p14">
       <p:timing>
         <p:tnLst>
           <p:par>
@@ -14544,7 +14689,7 @@
         </p:bldLst>
       </p:timing>
     </mc:Choice>
-    <mc:Fallback>
+    <mc:Fallback xmlns="">
       <p:timing>
         <p:tnLst>
           <p:par>
@@ -17222,6 +17367,2172 @@
       </p:grpSpPr>
       <p:sp>
         <p:nvSpPr>
+          <p:cNvPr id="19" name="矩形 18"/>
+          <p:cNvSpPr>
+            <a:spLocks noChangeArrowheads="1"/>
+          </p:cNvSpPr>
+          <p:nvPr/>
+        </p:nvSpPr>
+        <p:spPr bwMode="auto">
+          <a:xfrm>
+            <a:off x="634918" y="237124"/>
+            <a:ext cx="1066953" cy="615551"/>
+          </a:xfrm>
+          <a:prstGeom prst="rect">
+            <a:avLst/>
+          </a:prstGeom>
+          <a:noFill/>
+          <a:ln>
+            <a:noFill/>
+          </a:ln>
+          <a:extLst>
+            <a:ext uri="{909E8E84-426E-40DD-AFC4-6F175D3DCCD1}">
+              <a14:hiddenFill xmlns:a14="http://schemas.microsoft.com/office/drawing/2010/main">
+                <a:solidFill>
+                  <a:srgbClr val="FFFFFF"/>
+                </a:solidFill>
+              </a14:hiddenFill>
+            </a:ext>
+            <a:ext uri="{91240B29-F687-4F45-9708-019B960494DF}">
+              <a14:hiddenLine xmlns:a14="http://schemas.microsoft.com/office/drawing/2010/main" w="9525">
+                <a:solidFill>
+                  <a:srgbClr val="000000"/>
+                </a:solidFill>
+                <a:miter lim="800000"/>
+                <a:headEnd/>
+                <a:tailEnd/>
+              </a14:hiddenLine>
+            </a:ext>
+          </a:extLst>
+        </p:spPr>
+        <p:txBody>
+          <a:bodyPr wrap="none" lIns="121917" tIns="60959" rIns="121917" bIns="60959">
+            <a:spAutoFit/>
+          </a:bodyPr>
+          <a:lstStyle>
+            <a:lvl1pPr>
+              <a:spcBef>
+                <a:spcPct val="20000"/>
+              </a:spcBef>
+              <a:buFont typeface="Arial" charset="0"/>
+              <a:buChar char="•"/>
+              <a:defRPr sz="3200">
+                <a:solidFill>
+                  <a:schemeClr val="tx1"/>
+                </a:solidFill>
+                <a:latin typeface="微软雅黑" pitchFamily="34" charset="-122"/>
+                <a:ea typeface="微软雅黑" pitchFamily="34" charset="-122"/>
+                <a:sym typeface="Calibri" pitchFamily="34" charset="0"/>
+              </a:defRPr>
+            </a:lvl1pPr>
+            <a:lvl2pPr marL="742950" indent="-285750">
+              <a:spcBef>
+                <a:spcPct val="20000"/>
+              </a:spcBef>
+              <a:buFont typeface="Arial" charset="0"/>
+              <a:buChar char="–"/>
+              <a:defRPr sz="2800">
+                <a:solidFill>
+                  <a:schemeClr val="tx1"/>
+                </a:solidFill>
+                <a:latin typeface="微软雅黑" pitchFamily="34" charset="-122"/>
+                <a:ea typeface="微软雅黑" pitchFamily="34" charset="-122"/>
+                <a:sym typeface="Calibri" pitchFamily="34" charset="0"/>
+              </a:defRPr>
+            </a:lvl2pPr>
+            <a:lvl3pPr marL="1143000" indent="-228600">
+              <a:spcBef>
+                <a:spcPct val="20000"/>
+              </a:spcBef>
+              <a:buFont typeface="Arial" charset="0"/>
+              <a:buChar char="•"/>
+              <a:defRPr sz="2400">
+                <a:solidFill>
+                  <a:schemeClr val="tx1"/>
+                </a:solidFill>
+                <a:latin typeface="微软雅黑" pitchFamily="34" charset="-122"/>
+                <a:ea typeface="微软雅黑" pitchFamily="34" charset="-122"/>
+                <a:sym typeface="Calibri" pitchFamily="34" charset="0"/>
+              </a:defRPr>
+            </a:lvl3pPr>
+            <a:lvl4pPr marL="1600200" indent="-228600">
+              <a:spcBef>
+                <a:spcPct val="20000"/>
+              </a:spcBef>
+              <a:buFont typeface="Arial" charset="0"/>
+              <a:buChar char="–"/>
+              <a:defRPr sz="2000">
+                <a:solidFill>
+                  <a:schemeClr val="tx1"/>
+                </a:solidFill>
+                <a:latin typeface="微软雅黑" pitchFamily="34" charset="-122"/>
+                <a:ea typeface="微软雅黑" pitchFamily="34" charset="-122"/>
+                <a:sym typeface="Calibri" pitchFamily="34" charset="0"/>
+              </a:defRPr>
+            </a:lvl4pPr>
+            <a:lvl5pPr marL="2057400" indent="-228600">
+              <a:spcBef>
+                <a:spcPct val="20000"/>
+              </a:spcBef>
+              <a:buFont typeface="Arial" charset="0"/>
+              <a:buChar char="»"/>
+              <a:defRPr sz="2000">
+                <a:solidFill>
+                  <a:schemeClr val="tx1"/>
+                </a:solidFill>
+                <a:latin typeface="微软雅黑" pitchFamily="34" charset="-122"/>
+                <a:ea typeface="微软雅黑" pitchFamily="34" charset="-122"/>
+                <a:sym typeface="Calibri" pitchFamily="34" charset="0"/>
+              </a:defRPr>
+            </a:lvl5pPr>
+            <a:lvl6pPr marL="2514600" indent="-228600" eaLnBrk="0" fontAlgn="base" hangingPunct="0">
+              <a:spcBef>
+                <a:spcPct val="20000"/>
+              </a:spcBef>
+              <a:spcAft>
+                <a:spcPct val="0"/>
+              </a:spcAft>
+              <a:buFont typeface="Arial" charset="0"/>
+              <a:buChar char="»"/>
+              <a:defRPr sz="2000">
+                <a:solidFill>
+                  <a:schemeClr val="tx1"/>
+                </a:solidFill>
+                <a:latin typeface="微软雅黑" pitchFamily="34" charset="-122"/>
+                <a:ea typeface="微软雅黑" pitchFamily="34" charset="-122"/>
+                <a:sym typeface="Calibri" pitchFamily="34" charset="0"/>
+              </a:defRPr>
+            </a:lvl6pPr>
+            <a:lvl7pPr marL="2971800" indent="-228600" eaLnBrk="0" fontAlgn="base" hangingPunct="0">
+              <a:spcBef>
+                <a:spcPct val="20000"/>
+              </a:spcBef>
+              <a:spcAft>
+                <a:spcPct val="0"/>
+              </a:spcAft>
+              <a:buFont typeface="Arial" charset="0"/>
+              <a:buChar char="»"/>
+              <a:defRPr sz="2000">
+                <a:solidFill>
+                  <a:schemeClr val="tx1"/>
+                </a:solidFill>
+                <a:latin typeface="微软雅黑" pitchFamily="34" charset="-122"/>
+                <a:ea typeface="微软雅黑" pitchFamily="34" charset="-122"/>
+                <a:sym typeface="Calibri" pitchFamily="34" charset="0"/>
+              </a:defRPr>
+            </a:lvl7pPr>
+            <a:lvl8pPr marL="3429000" indent="-228600" eaLnBrk="0" fontAlgn="base" hangingPunct="0">
+              <a:spcBef>
+                <a:spcPct val="20000"/>
+              </a:spcBef>
+              <a:spcAft>
+                <a:spcPct val="0"/>
+              </a:spcAft>
+              <a:buFont typeface="Arial" charset="0"/>
+              <a:buChar char="»"/>
+              <a:defRPr sz="2000">
+                <a:solidFill>
+                  <a:schemeClr val="tx1"/>
+                </a:solidFill>
+                <a:latin typeface="微软雅黑" pitchFamily="34" charset="-122"/>
+                <a:ea typeface="微软雅黑" pitchFamily="34" charset="-122"/>
+                <a:sym typeface="Calibri" pitchFamily="34" charset="0"/>
+              </a:defRPr>
+            </a:lvl8pPr>
+            <a:lvl9pPr marL="3886200" indent="-228600" eaLnBrk="0" fontAlgn="base" hangingPunct="0">
+              <a:spcBef>
+                <a:spcPct val="20000"/>
+              </a:spcBef>
+              <a:spcAft>
+                <a:spcPct val="0"/>
+              </a:spcAft>
+              <a:buFont typeface="Arial" charset="0"/>
+              <a:buChar char="»"/>
+              <a:defRPr sz="2000">
+                <a:solidFill>
+                  <a:schemeClr val="tx1"/>
+                </a:solidFill>
+                <a:latin typeface="微软雅黑" pitchFamily="34" charset="-122"/>
+                <a:ea typeface="微软雅黑" pitchFamily="34" charset="-122"/>
+                <a:sym typeface="Calibri" pitchFamily="34" charset="0"/>
+              </a:defRPr>
+            </a:lvl9pPr>
+          </a:lstStyle>
+          <a:p>
+            <a:pPr defTabSz="457189">
+              <a:buNone/>
+            </a:pPr>
+            <a:r>
+              <a:rPr lang="zh-CN" altLang="en-US" b="1" dirty="0">
+                <a:solidFill>
+                  <a:srgbClr val="071F65"/>
+                </a:solidFill>
+                <a:latin typeface="Arial" panose="020B0604020202020204" pitchFamily="34" charset="0"/>
+              </a:rPr>
+              <a:t>总结</a:t>
+            </a:r>
+          </a:p>
+        </p:txBody>
+      </p:sp>
+      <p:sp>
+        <p:nvSpPr>
+          <p:cNvPr id="20" name="等腰三角形 19"/>
+          <p:cNvSpPr>
+            <a:spLocks noChangeArrowheads="1"/>
+          </p:cNvSpPr>
+          <p:nvPr/>
+        </p:nvSpPr>
+        <p:spPr bwMode="auto">
+          <a:xfrm rot="5400000">
+            <a:off x="-53049" y="209721"/>
+            <a:ext cx="774879" cy="668780"/>
+          </a:xfrm>
+          <a:prstGeom prst="triangle">
+            <a:avLst>
+              <a:gd name="adj" fmla="val 50000"/>
+            </a:avLst>
+          </a:prstGeom>
+          <a:solidFill>
+            <a:schemeClr val="accent1"/>
+          </a:solidFill>
+          <a:ln>
+            <a:noFill/>
+          </a:ln>
+        </p:spPr>
+        <p:txBody>
+          <a:bodyPr lIns="121917" tIns="60959" rIns="121917" bIns="60959" anchor="ctr"/>
+          <a:lstStyle>
+            <a:lvl1pPr>
+              <a:spcBef>
+                <a:spcPct val="20000"/>
+              </a:spcBef>
+              <a:buFont typeface="Arial" charset="0"/>
+              <a:buChar char="•"/>
+              <a:defRPr sz="3200">
+                <a:solidFill>
+                  <a:schemeClr val="tx1"/>
+                </a:solidFill>
+                <a:latin typeface="微软雅黑" pitchFamily="34" charset="-122"/>
+                <a:ea typeface="微软雅黑" pitchFamily="34" charset="-122"/>
+                <a:sym typeface="Calibri" pitchFamily="34" charset="0"/>
+              </a:defRPr>
+            </a:lvl1pPr>
+            <a:lvl2pPr marL="742950" indent="-285750">
+              <a:spcBef>
+                <a:spcPct val="20000"/>
+              </a:spcBef>
+              <a:buFont typeface="Arial" charset="0"/>
+              <a:buChar char="–"/>
+              <a:defRPr sz="2800">
+                <a:solidFill>
+                  <a:schemeClr val="tx1"/>
+                </a:solidFill>
+                <a:latin typeface="微软雅黑" pitchFamily="34" charset="-122"/>
+                <a:ea typeface="微软雅黑" pitchFamily="34" charset="-122"/>
+                <a:sym typeface="Calibri" pitchFamily="34" charset="0"/>
+              </a:defRPr>
+            </a:lvl2pPr>
+            <a:lvl3pPr marL="1143000" indent="-228600">
+              <a:spcBef>
+                <a:spcPct val="20000"/>
+              </a:spcBef>
+              <a:buFont typeface="Arial" charset="0"/>
+              <a:buChar char="•"/>
+              <a:defRPr sz="2400">
+                <a:solidFill>
+                  <a:schemeClr val="tx1"/>
+                </a:solidFill>
+                <a:latin typeface="微软雅黑" pitchFamily="34" charset="-122"/>
+                <a:ea typeface="微软雅黑" pitchFamily="34" charset="-122"/>
+                <a:sym typeface="Calibri" pitchFamily="34" charset="0"/>
+              </a:defRPr>
+            </a:lvl3pPr>
+            <a:lvl4pPr marL="1600200" indent="-228600">
+              <a:spcBef>
+                <a:spcPct val="20000"/>
+              </a:spcBef>
+              <a:buFont typeface="Arial" charset="0"/>
+              <a:buChar char="–"/>
+              <a:defRPr sz="2000">
+                <a:solidFill>
+                  <a:schemeClr val="tx1"/>
+                </a:solidFill>
+                <a:latin typeface="微软雅黑" pitchFamily="34" charset="-122"/>
+                <a:ea typeface="微软雅黑" pitchFamily="34" charset="-122"/>
+                <a:sym typeface="Calibri" pitchFamily="34" charset="0"/>
+              </a:defRPr>
+            </a:lvl4pPr>
+            <a:lvl5pPr marL="2057400" indent="-228600">
+              <a:spcBef>
+                <a:spcPct val="20000"/>
+              </a:spcBef>
+              <a:buFont typeface="Arial" charset="0"/>
+              <a:buChar char="»"/>
+              <a:defRPr sz="2000">
+                <a:solidFill>
+                  <a:schemeClr val="tx1"/>
+                </a:solidFill>
+                <a:latin typeface="微软雅黑" pitchFamily="34" charset="-122"/>
+                <a:ea typeface="微软雅黑" pitchFamily="34" charset="-122"/>
+                <a:sym typeface="Calibri" pitchFamily="34" charset="0"/>
+              </a:defRPr>
+            </a:lvl5pPr>
+            <a:lvl6pPr marL="2514600" indent="-228600" eaLnBrk="0" fontAlgn="base" hangingPunct="0">
+              <a:spcBef>
+                <a:spcPct val="20000"/>
+              </a:spcBef>
+              <a:spcAft>
+                <a:spcPct val="0"/>
+              </a:spcAft>
+              <a:buFont typeface="Arial" charset="0"/>
+              <a:buChar char="»"/>
+              <a:defRPr sz="2000">
+                <a:solidFill>
+                  <a:schemeClr val="tx1"/>
+                </a:solidFill>
+                <a:latin typeface="微软雅黑" pitchFamily="34" charset="-122"/>
+                <a:ea typeface="微软雅黑" pitchFamily="34" charset="-122"/>
+                <a:sym typeface="Calibri" pitchFamily="34" charset="0"/>
+              </a:defRPr>
+            </a:lvl6pPr>
+            <a:lvl7pPr marL="2971800" indent="-228600" eaLnBrk="0" fontAlgn="base" hangingPunct="0">
+              <a:spcBef>
+                <a:spcPct val="20000"/>
+              </a:spcBef>
+              <a:spcAft>
+                <a:spcPct val="0"/>
+              </a:spcAft>
+              <a:buFont typeface="Arial" charset="0"/>
+              <a:buChar char="»"/>
+              <a:defRPr sz="2000">
+                <a:solidFill>
+                  <a:schemeClr val="tx1"/>
+                </a:solidFill>
+                <a:latin typeface="微软雅黑" pitchFamily="34" charset="-122"/>
+                <a:ea typeface="微软雅黑" pitchFamily="34" charset="-122"/>
+                <a:sym typeface="Calibri" pitchFamily="34" charset="0"/>
+              </a:defRPr>
+            </a:lvl7pPr>
+            <a:lvl8pPr marL="3429000" indent="-228600" eaLnBrk="0" fontAlgn="base" hangingPunct="0">
+              <a:spcBef>
+                <a:spcPct val="20000"/>
+              </a:spcBef>
+              <a:spcAft>
+                <a:spcPct val="0"/>
+              </a:spcAft>
+              <a:buFont typeface="Arial" charset="0"/>
+              <a:buChar char="»"/>
+              <a:defRPr sz="2000">
+                <a:solidFill>
+                  <a:schemeClr val="tx1"/>
+                </a:solidFill>
+                <a:latin typeface="微软雅黑" pitchFamily="34" charset="-122"/>
+                <a:ea typeface="微软雅黑" pitchFamily="34" charset="-122"/>
+                <a:sym typeface="Calibri" pitchFamily="34" charset="0"/>
+              </a:defRPr>
+            </a:lvl8pPr>
+            <a:lvl9pPr marL="3886200" indent="-228600" eaLnBrk="0" fontAlgn="base" hangingPunct="0">
+              <a:spcBef>
+                <a:spcPct val="20000"/>
+              </a:spcBef>
+              <a:spcAft>
+                <a:spcPct val="0"/>
+              </a:spcAft>
+              <a:buFont typeface="Arial" charset="0"/>
+              <a:buChar char="»"/>
+              <a:defRPr sz="2000">
+                <a:solidFill>
+                  <a:schemeClr val="tx1"/>
+                </a:solidFill>
+                <a:latin typeface="微软雅黑" pitchFamily="34" charset="-122"/>
+                <a:ea typeface="微软雅黑" pitchFamily="34" charset="-122"/>
+                <a:sym typeface="Calibri" pitchFamily="34" charset="0"/>
+              </a:defRPr>
+            </a:lvl9pPr>
+          </a:lstStyle>
+          <a:p>
+            <a:pPr algn="ctr" defTabSz="457189">
+              <a:spcBef>
+                <a:spcPct val="0"/>
+              </a:spcBef>
+              <a:buNone/>
+            </a:pPr>
+            <a:endParaRPr lang="zh-CN" altLang="zh-CN" sz="2400">
+              <a:solidFill>
+                <a:srgbClr val="FFFFFF"/>
+              </a:solidFill>
+              <a:sym typeface="微软雅黑" pitchFamily="34" charset="-122"/>
+            </a:endParaRPr>
+          </a:p>
+        </p:txBody>
+      </p:sp>
+      <p:sp>
+        <p:nvSpPr>
+          <p:cNvPr id="21" name="Freeform 5"/>
+          <p:cNvSpPr>
+            <a:spLocks/>
+          </p:cNvSpPr>
+          <p:nvPr/>
+        </p:nvSpPr>
+        <p:spPr bwMode="auto">
+          <a:xfrm>
+            <a:off x="1541880" y="2710972"/>
+            <a:ext cx="2239157" cy="2018848"/>
+          </a:xfrm>
+          <a:custGeom>
+            <a:avLst/>
+            <a:gdLst>
+              <a:gd name="T0" fmla="*/ 2151 w 2740"/>
+              <a:gd name="T1" fmla="*/ 2315 h 2446"/>
+              <a:gd name="T2" fmla="*/ 2055 w 2740"/>
+              <a:gd name="T3" fmla="*/ 2410 h 2446"/>
+              <a:gd name="T4" fmla="*/ 1918 w 2740"/>
+              <a:gd name="T5" fmla="*/ 2445 h 2446"/>
+              <a:gd name="T6" fmla="*/ 816 w 2740"/>
+              <a:gd name="T7" fmla="*/ 2445 h 2446"/>
+              <a:gd name="T8" fmla="*/ 685 w 2740"/>
+              <a:gd name="T9" fmla="*/ 2410 h 2446"/>
+              <a:gd name="T10" fmla="*/ 589 w 2740"/>
+              <a:gd name="T11" fmla="*/ 2314 h 2446"/>
+              <a:gd name="T12" fmla="*/ 36 w 2740"/>
+              <a:gd name="T13" fmla="*/ 1356 h 2446"/>
+              <a:gd name="T14" fmla="*/ 0 w 2740"/>
+              <a:gd name="T15" fmla="*/ 1223 h 2446"/>
+              <a:gd name="T16" fmla="*/ 36 w 2740"/>
+              <a:gd name="T17" fmla="*/ 1089 h 2446"/>
+              <a:gd name="T18" fmla="*/ 587 w 2740"/>
+              <a:gd name="T19" fmla="*/ 135 h 2446"/>
+              <a:gd name="T20" fmla="*/ 685 w 2740"/>
+              <a:gd name="T21" fmla="*/ 37 h 2446"/>
+              <a:gd name="T22" fmla="*/ 810 w 2740"/>
+              <a:gd name="T23" fmla="*/ 1 h 2446"/>
+              <a:gd name="T24" fmla="*/ 1916 w 2740"/>
+              <a:gd name="T25" fmla="*/ 1 h 2446"/>
+              <a:gd name="T26" fmla="*/ 2055 w 2740"/>
+              <a:gd name="T27" fmla="*/ 37 h 2446"/>
+              <a:gd name="T28" fmla="*/ 2151 w 2740"/>
+              <a:gd name="T29" fmla="*/ 132 h 2446"/>
+              <a:gd name="T30" fmla="*/ 2702 w 2740"/>
+              <a:gd name="T31" fmla="*/ 1086 h 2446"/>
+              <a:gd name="T32" fmla="*/ 2740 w 2740"/>
+              <a:gd name="T33" fmla="*/ 1223 h 2446"/>
+              <a:gd name="T34" fmla="*/ 2701 w 2740"/>
+              <a:gd name="T35" fmla="*/ 1361 h 2446"/>
+              <a:gd name="T36" fmla="*/ 2151 w 2740"/>
+              <a:gd name="T37" fmla="*/ 2315 h 2446"/>
+            </a:gdLst>
+            <a:ahLst/>
+            <a:cxnLst>
+              <a:cxn ang="0">
+                <a:pos x="T0" y="T1"/>
+              </a:cxn>
+              <a:cxn ang="0">
+                <a:pos x="T2" y="T3"/>
+              </a:cxn>
+              <a:cxn ang="0">
+                <a:pos x="T4" y="T5"/>
+              </a:cxn>
+              <a:cxn ang="0">
+                <a:pos x="T6" y="T7"/>
+              </a:cxn>
+              <a:cxn ang="0">
+                <a:pos x="T8" y="T9"/>
+              </a:cxn>
+              <a:cxn ang="0">
+                <a:pos x="T10" y="T11"/>
+              </a:cxn>
+              <a:cxn ang="0">
+                <a:pos x="T12" y="T13"/>
+              </a:cxn>
+              <a:cxn ang="0">
+                <a:pos x="T14" y="T15"/>
+              </a:cxn>
+              <a:cxn ang="0">
+                <a:pos x="T16" y="T17"/>
+              </a:cxn>
+              <a:cxn ang="0">
+                <a:pos x="T18" y="T19"/>
+              </a:cxn>
+              <a:cxn ang="0">
+                <a:pos x="T20" y="T21"/>
+              </a:cxn>
+              <a:cxn ang="0">
+                <a:pos x="T22" y="T23"/>
+              </a:cxn>
+              <a:cxn ang="0">
+                <a:pos x="T24" y="T25"/>
+              </a:cxn>
+              <a:cxn ang="0">
+                <a:pos x="T26" y="T27"/>
+              </a:cxn>
+              <a:cxn ang="0">
+                <a:pos x="T28" y="T29"/>
+              </a:cxn>
+              <a:cxn ang="0">
+                <a:pos x="T30" y="T31"/>
+              </a:cxn>
+              <a:cxn ang="0">
+                <a:pos x="T32" y="T33"/>
+              </a:cxn>
+              <a:cxn ang="0">
+                <a:pos x="T34" y="T35"/>
+              </a:cxn>
+              <a:cxn ang="0">
+                <a:pos x="T36" y="T37"/>
+              </a:cxn>
+            </a:cxnLst>
+            <a:rect l="0" t="0" r="r" b="b"/>
+            <a:pathLst>
+              <a:path w="2740" h="2446">
+                <a:moveTo>
+                  <a:pt x="2151" y="2315"/>
+                </a:moveTo>
+                <a:cubicBezTo>
+                  <a:pt x="2128" y="2353"/>
+                  <a:pt x="2096" y="2386"/>
+                  <a:pt x="2055" y="2410"/>
+                </a:cubicBezTo>
+                <a:cubicBezTo>
+                  <a:pt x="2012" y="2435"/>
+                  <a:pt x="1965" y="2446"/>
+                  <a:pt x="1918" y="2445"/>
+                </a:cubicBezTo>
+                <a:lnTo>
+                  <a:pt x="816" y="2445"/>
+                </a:lnTo>
+                <a:cubicBezTo>
+                  <a:pt x="772" y="2445"/>
+                  <a:pt x="726" y="2434"/>
+                  <a:pt x="685" y="2410"/>
+                </a:cubicBezTo>
+                <a:cubicBezTo>
+                  <a:pt x="644" y="2386"/>
+                  <a:pt x="611" y="2353"/>
+                  <a:pt x="589" y="2314"/>
+                </a:cubicBezTo>
+                <a:lnTo>
+                  <a:pt x="36" y="1356"/>
+                </a:lnTo>
+                <a:cubicBezTo>
+                  <a:pt x="13" y="1317"/>
+                  <a:pt x="0" y="1272"/>
+                  <a:pt x="0" y="1223"/>
+                </a:cubicBezTo>
+                <a:cubicBezTo>
+                  <a:pt x="0" y="1174"/>
+                  <a:pt x="13" y="1129"/>
+                  <a:pt x="36" y="1089"/>
+                </a:cubicBezTo>
+                <a:lnTo>
+                  <a:pt x="587" y="135"/>
+                </a:lnTo>
+                <a:cubicBezTo>
+                  <a:pt x="610" y="96"/>
+                  <a:pt x="643" y="61"/>
+                  <a:pt x="685" y="37"/>
+                </a:cubicBezTo>
+                <a:cubicBezTo>
+                  <a:pt x="724" y="14"/>
+                  <a:pt x="767" y="2"/>
+                  <a:pt x="810" y="1"/>
+                </a:cubicBezTo>
+                <a:lnTo>
+                  <a:pt x="1916" y="1"/>
+                </a:lnTo>
+                <a:cubicBezTo>
+                  <a:pt x="1963" y="0"/>
+                  <a:pt x="2011" y="11"/>
+                  <a:pt x="2055" y="37"/>
+                </a:cubicBezTo>
+                <a:cubicBezTo>
+                  <a:pt x="2096" y="60"/>
+                  <a:pt x="2129" y="93"/>
+                  <a:pt x="2151" y="132"/>
+                </a:cubicBezTo>
+                <a:lnTo>
+                  <a:pt x="2702" y="1086"/>
+                </a:lnTo>
+                <a:cubicBezTo>
+                  <a:pt x="2726" y="1126"/>
+                  <a:pt x="2740" y="1173"/>
+                  <a:pt x="2740" y="1223"/>
+                </a:cubicBezTo>
+                <a:cubicBezTo>
+                  <a:pt x="2740" y="1274"/>
+                  <a:pt x="2726" y="1321"/>
+                  <a:pt x="2701" y="1361"/>
+                </a:cubicBezTo>
+                <a:lnTo>
+                  <a:pt x="2151" y="2315"/>
+                </a:lnTo>
+                <a:close/>
+              </a:path>
+            </a:pathLst>
+          </a:custGeom>
+          <a:solidFill>
+            <a:schemeClr val="accent1"/>
+          </a:solidFill>
+          <a:ln w="9525" cap="flat">
+            <a:noFill/>
+            <a:prstDash val="solid"/>
+            <a:miter lim="800000"/>
+            <a:headEnd/>
+            <a:tailEnd/>
+          </a:ln>
+        </p:spPr>
+        <p:txBody>
+          <a:bodyPr vert="horz" wrap="square" lIns="121920" tIns="60960" rIns="121920" bIns="60960" numCol="1" anchor="t" anchorCtr="0" compatLnSpc="1">
+            <a:prstTxWarp prst="textNoShape">
+              <a:avLst/>
+            </a:prstTxWarp>
+          </a:bodyPr>
+          <a:lstStyle/>
+          <a:p>
+            <a:pPr defTabSz="457189"/>
+            <a:endParaRPr lang="zh-CN" altLang="en-US" sz="1867">
+              <a:solidFill>
+                <a:prstClr val="black"/>
+              </a:solidFill>
+              <a:latin typeface="Arial"/>
+              <a:ea typeface="微软雅黑"/>
+            </a:endParaRPr>
+          </a:p>
+        </p:txBody>
+      </p:sp>
+      <p:sp>
+        <p:nvSpPr>
+          <p:cNvPr id="22" name="TextBox 21"/>
+          <p:cNvSpPr txBox="1"/>
+          <p:nvPr/>
+        </p:nvSpPr>
+        <p:spPr>
+          <a:xfrm>
+            <a:off x="2055668" y="3145881"/>
+            <a:ext cx="1211581" cy="1148904"/>
+          </a:xfrm>
+          <a:prstGeom prst="rect">
+            <a:avLst/>
+          </a:prstGeom>
+          <a:noFill/>
+        </p:spPr>
+        <p:txBody>
+          <a:bodyPr wrap="square" lIns="0" tIns="0" rIns="0" bIns="0" rtlCol="0">
+            <a:spAutoFit/>
+          </a:bodyPr>
+          <a:lstStyle>
+            <a:defPPr>
+              <a:defRPr lang="zh-CN"/>
+            </a:defPPr>
+            <a:lvl1pPr>
+              <a:defRPr sz="2200">
+                <a:solidFill>
+                  <a:schemeClr val="bg1"/>
+                </a:solidFill>
+                <a:latin typeface="微软雅黑" pitchFamily="34" charset="-122"/>
+                <a:ea typeface="微软雅黑" pitchFamily="34" charset="-122"/>
+              </a:defRPr>
+            </a:lvl1pPr>
+          </a:lstStyle>
+          <a:p>
+            <a:pPr algn="ctr" defTabSz="457189"/>
+            <a:r>
+              <a:rPr lang="zh-CN" altLang="en-US" sz="3733" b="1" dirty="0">
+                <a:solidFill>
+                  <a:prstClr val="white"/>
+                </a:solidFill>
+              </a:rPr>
+              <a:t>总结观点</a:t>
+            </a:r>
+          </a:p>
+        </p:txBody>
+      </p:sp>
+      <p:sp>
+        <p:nvSpPr>
+          <p:cNvPr id="23" name="圆角矩形 22"/>
+          <p:cNvSpPr/>
+          <p:nvPr/>
+        </p:nvSpPr>
+        <p:spPr>
+          <a:xfrm>
+            <a:off x="4745440" y="1950266"/>
+            <a:ext cx="5492016" cy="602247"/>
+          </a:xfrm>
+          <a:prstGeom prst="roundRect">
+            <a:avLst>
+              <a:gd name="adj" fmla="val 50000"/>
+            </a:avLst>
+          </a:prstGeom>
+          <a:solidFill>
+            <a:schemeClr val="accent1"/>
+          </a:solidFill>
+          <a:ln>
+            <a:noFill/>
+          </a:ln>
+        </p:spPr>
+        <p:style>
+          <a:lnRef idx="2">
+            <a:schemeClr val="accent1">
+              <a:shade val="50000"/>
+            </a:schemeClr>
+          </a:lnRef>
+          <a:fillRef idx="1">
+            <a:schemeClr val="accent1"/>
+          </a:fillRef>
+          <a:effectRef idx="0">
+            <a:schemeClr val="accent1"/>
+          </a:effectRef>
+          <a:fontRef idx="minor">
+            <a:schemeClr val="lt1"/>
+          </a:fontRef>
+        </p:style>
+        <p:txBody>
+          <a:bodyPr rtlCol="0" anchor="ctr"/>
+          <a:lstStyle/>
+          <a:p>
+            <a:pPr algn="ctr" defTabSz="457189"/>
+            <a:endParaRPr lang="zh-CN" altLang="en-US" sz="1867">
+              <a:solidFill>
+                <a:prstClr val="white"/>
+              </a:solidFill>
+              <a:latin typeface="Arial"/>
+              <a:ea typeface="微软雅黑"/>
+            </a:endParaRPr>
+          </a:p>
+        </p:txBody>
+      </p:sp>
+      <p:sp>
+        <p:nvSpPr>
+          <p:cNvPr id="24" name="Freeform 5"/>
+          <p:cNvSpPr>
+            <a:spLocks/>
+          </p:cNvSpPr>
+          <p:nvPr/>
+        </p:nvSpPr>
+        <p:spPr bwMode="auto">
+          <a:xfrm>
+            <a:off x="3884619" y="2222384"/>
+            <a:ext cx="730021" cy="2996024"/>
+          </a:xfrm>
+          <a:custGeom>
+            <a:avLst/>
+            <a:gdLst>
+              <a:gd name="T0" fmla="*/ 1999 w 3544"/>
+              <a:gd name="T1" fmla="*/ 9150 h 14563"/>
+              <a:gd name="T2" fmla="*/ 1999 w 3544"/>
+              <a:gd name="T3" fmla="*/ 12306 h 14563"/>
+              <a:gd name="T4" fmla="*/ 2353 w 3544"/>
+              <a:gd name="T5" fmla="*/ 13628 h 14563"/>
+              <a:gd name="T6" fmla="*/ 3544 w 3544"/>
+              <a:gd name="T7" fmla="*/ 14112 h 14563"/>
+              <a:gd name="T8" fmla="*/ 3544 w 3544"/>
+              <a:gd name="T9" fmla="*/ 14563 h 14563"/>
+              <a:gd name="T10" fmla="*/ 1933 w 3544"/>
+              <a:gd name="T11" fmla="*/ 14016 h 14563"/>
+              <a:gd name="T12" fmla="*/ 1419 w 3544"/>
+              <a:gd name="T13" fmla="*/ 12050 h 14563"/>
+              <a:gd name="T14" fmla="*/ 1419 w 3544"/>
+              <a:gd name="T15" fmla="*/ 9279 h 14563"/>
+              <a:gd name="T16" fmla="*/ 1160 w 3544"/>
+              <a:gd name="T17" fmla="*/ 8022 h 14563"/>
+              <a:gd name="T18" fmla="*/ 0 w 3544"/>
+              <a:gd name="T19" fmla="*/ 7475 h 14563"/>
+              <a:gd name="T20" fmla="*/ 0 w 3544"/>
+              <a:gd name="T21" fmla="*/ 7088 h 14563"/>
+              <a:gd name="T22" fmla="*/ 1127 w 3544"/>
+              <a:gd name="T23" fmla="*/ 6571 h 14563"/>
+              <a:gd name="T24" fmla="*/ 1419 w 3544"/>
+              <a:gd name="T25" fmla="*/ 5284 h 14563"/>
+              <a:gd name="T26" fmla="*/ 1419 w 3544"/>
+              <a:gd name="T27" fmla="*/ 2513 h 14563"/>
+              <a:gd name="T28" fmla="*/ 1933 w 3544"/>
+              <a:gd name="T29" fmla="*/ 547 h 14563"/>
+              <a:gd name="T30" fmla="*/ 3544 w 3544"/>
+              <a:gd name="T31" fmla="*/ 0 h 14563"/>
+              <a:gd name="T32" fmla="*/ 3544 w 3544"/>
+              <a:gd name="T33" fmla="*/ 451 h 14563"/>
+              <a:gd name="T34" fmla="*/ 2353 w 3544"/>
+              <a:gd name="T35" fmla="*/ 902 h 14563"/>
+              <a:gd name="T36" fmla="*/ 1999 w 3544"/>
+              <a:gd name="T37" fmla="*/ 2254 h 14563"/>
+              <a:gd name="T38" fmla="*/ 1999 w 3544"/>
+              <a:gd name="T39" fmla="*/ 5413 h 14563"/>
+              <a:gd name="T40" fmla="*/ 580 w 3544"/>
+              <a:gd name="T41" fmla="*/ 7275 h 14563"/>
+              <a:gd name="T42" fmla="*/ 580 w 3544"/>
+              <a:gd name="T43" fmla="*/ 7304 h 14563"/>
+              <a:gd name="T44" fmla="*/ 1999 w 3544"/>
+              <a:gd name="T45" fmla="*/ 9150 h 14563"/>
+            </a:gdLst>
+            <a:ahLst/>
+            <a:cxnLst>
+              <a:cxn ang="0">
+                <a:pos x="T0" y="T1"/>
+              </a:cxn>
+              <a:cxn ang="0">
+                <a:pos x="T2" y="T3"/>
+              </a:cxn>
+              <a:cxn ang="0">
+                <a:pos x="T4" y="T5"/>
+              </a:cxn>
+              <a:cxn ang="0">
+                <a:pos x="T6" y="T7"/>
+              </a:cxn>
+              <a:cxn ang="0">
+                <a:pos x="T8" y="T9"/>
+              </a:cxn>
+              <a:cxn ang="0">
+                <a:pos x="T10" y="T11"/>
+              </a:cxn>
+              <a:cxn ang="0">
+                <a:pos x="T12" y="T13"/>
+              </a:cxn>
+              <a:cxn ang="0">
+                <a:pos x="T14" y="T15"/>
+              </a:cxn>
+              <a:cxn ang="0">
+                <a:pos x="T16" y="T17"/>
+              </a:cxn>
+              <a:cxn ang="0">
+                <a:pos x="T18" y="T19"/>
+              </a:cxn>
+              <a:cxn ang="0">
+                <a:pos x="T20" y="T21"/>
+              </a:cxn>
+              <a:cxn ang="0">
+                <a:pos x="T22" y="T23"/>
+              </a:cxn>
+              <a:cxn ang="0">
+                <a:pos x="T24" y="T25"/>
+              </a:cxn>
+              <a:cxn ang="0">
+                <a:pos x="T26" y="T27"/>
+              </a:cxn>
+              <a:cxn ang="0">
+                <a:pos x="T28" y="T29"/>
+              </a:cxn>
+              <a:cxn ang="0">
+                <a:pos x="T30" y="T31"/>
+              </a:cxn>
+              <a:cxn ang="0">
+                <a:pos x="T32" y="T33"/>
+              </a:cxn>
+              <a:cxn ang="0">
+                <a:pos x="T34" y="T35"/>
+              </a:cxn>
+              <a:cxn ang="0">
+                <a:pos x="T36" y="T37"/>
+              </a:cxn>
+              <a:cxn ang="0">
+                <a:pos x="T38" y="T39"/>
+              </a:cxn>
+              <a:cxn ang="0">
+                <a:pos x="T40" y="T41"/>
+              </a:cxn>
+              <a:cxn ang="0">
+                <a:pos x="T42" y="T43"/>
+              </a:cxn>
+              <a:cxn ang="0">
+                <a:pos x="T44" y="T45"/>
+              </a:cxn>
+            </a:cxnLst>
+            <a:rect l="0" t="0" r="r" b="b"/>
+            <a:pathLst>
+              <a:path w="3544" h="14563">
+                <a:moveTo>
+                  <a:pt x="1999" y="9150"/>
+                </a:moveTo>
+                <a:lnTo>
+                  <a:pt x="1999" y="12306"/>
+                </a:lnTo>
+                <a:cubicBezTo>
+                  <a:pt x="1999" y="12867"/>
+                  <a:pt x="2117" y="13306"/>
+                  <a:pt x="2353" y="13628"/>
+                </a:cubicBezTo>
+                <a:cubicBezTo>
+                  <a:pt x="2590" y="13950"/>
+                  <a:pt x="2986" y="14112"/>
+                  <a:pt x="3544" y="14112"/>
+                </a:cubicBezTo>
+                <a:lnTo>
+                  <a:pt x="3544" y="14563"/>
+                </a:lnTo>
+                <a:cubicBezTo>
+                  <a:pt x="2815" y="14563"/>
+                  <a:pt x="2276" y="14379"/>
+                  <a:pt x="1933" y="14016"/>
+                </a:cubicBezTo>
+                <a:cubicBezTo>
+                  <a:pt x="1589" y="13650"/>
+                  <a:pt x="1419" y="12993"/>
+                  <a:pt x="1419" y="12050"/>
+                </a:cubicBezTo>
+                <a:lnTo>
+                  <a:pt x="1419" y="9279"/>
+                </a:lnTo>
+                <a:cubicBezTo>
+                  <a:pt x="1419" y="8762"/>
+                  <a:pt x="1333" y="8344"/>
+                  <a:pt x="1160" y="8022"/>
+                </a:cubicBezTo>
+                <a:cubicBezTo>
+                  <a:pt x="990" y="7701"/>
+                  <a:pt x="602" y="7516"/>
+                  <a:pt x="0" y="7475"/>
+                </a:cubicBezTo>
+                <a:lnTo>
+                  <a:pt x="0" y="7088"/>
+                </a:lnTo>
+                <a:cubicBezTo>
+                  <a:pt x="558" y="7002"/>
+                  <a:pt x="935" y="6829"/>
+                  <a:pt x="1127" y="6571"/>
+                </a:cubicBezTo>
+                <a:cubicBezTo>
+                  <a:pt x="1322" y="6315"/>
+                  <a:pt x="1419" y="5883"/>
+                  <a:pt x="1419" y="5284"/>
+                </a:cubicBezTo>
+                <a:lnTo>
+                  <a:pt x="1419" y="2513"/>
+                </a:lnTo>
+                <a:cubicBezTo>
+                  <a:pt x="1419" y="1567"/>
+                  <a:pt x="1589" y="913"/>
+                  <a:pt x="1933" y="547"/>
+                </a:cubicBezTo>
+                <a:cubicBezTo>
+                  <a:pt x="2276" y="181"/>
+                  <a:pt x="2815" y="0"/>
+                  <a:pt x="3544" y="0"/>
+                </a:cubicBezTo>
+                <a:lnTo>
+                  <a:pt x="3544" y="451"/>
+                </a:lnTo>
+                <a:cubicBezTo>
+                  <a:pt x="2986" y="451"/>
+                  <a:pt x="2590" y="602"/>
+                  <a:pt x="2353" y="902"/>
+                </a:cubicBezTo>
+                <a:cubicBezTo>
+                  <a:pt x="2117" y="1201"/>
+                  <a:pt x="1999" y="1652"/>
+                  <a:pt x="1999" y="2254"/>
+                </a:cubicBezTo>
+                <a:lnTo>
+                  <a:pt x="1999" y="5413"/>
+                </a:lnTo>
+                <a:cubicBezTo>
+                  <a:pt x="1999" y="6265"/>
+                  <a:pt x="1592" y="7275"/>
+                  <a:pt x="580" y="7275"/>
+                </a:cubicBezTo>
+                <a:lnTo>
+                  <a:pt x="580" y="7304"/>
+                </a:lnTo>
+                <a:cubicBezTo>
+                  <a:pt x="1565" y="7304"/>
+                  <a:pt x="1999" y="8309"/>
+                  <a:pt x="1999" y="9150"/>
+                </a:cubicBezTo>
+                <a:close/>
+              </a:path>
+            </a:pathLst>
+          </a:custGeom>
+          <a:solidFill>
+            <a:schemeClr val="accent2"/>
+          </a:solidFill>
+          <a:ln>
+            <a:noFill/>
+          </a:ln>
+        </p:spPr>
+        <p:txBody>
+          <a:bodyPr vert="horz" wrap="square" lIns="121920" tIns="60960" rIns="121920" bIns="60960" numCol="1" anchor="t" anchorCtr="0" compatLnSpc="1">
+            <a:prstTxWarp prst="textNoShape">
+              <a:avLst/>
+            </a:prstTxWarp>
+          </a:bodyPr>
+          <a:lstStyle/>
+          <a:p>
+            <a:pPr defTabSz="457189"/>
+            <a:endParaRPr lang="zh-CN" altLang="en-US" sz="1867">
+              <a:solidFill>
+                <a:prstClr val="black"/>
+              </a:solidFill>
+              <a:latin typeface="Arial"/>
+              <a:ea typeface="微软雅黑"/>
+            </a:endParaRPr>
+          </a:p>
+        </p:txBody>
+      </p:sp>
+      <p:sp>
+        <p:nvSpPr>
+          <p:cNvPr id="25" name="圆角矩形 24"/>
+          <p:cNvSpPr/>
+          <p:nvPr/>
+        </p:nvSpPr>
+        <p:spPr>
+          <a:xfrm>
+            <a:off x="4745440" y="2929458"/>
+            <a:ext cx="5492016" cy="602247"/>
+          </a:xfrm>
+          <a:prstGeom prst="roundRect">
+            <a:avLst>
+              <a:gd name="adj" fmla="val 50000"/>
+            </a:avLst>
+          </a:prstGeom>
+          <a:solidFill>
+            <a:schemeClr val="accent1"/>
+          </a:solidFill>
+          <a:ln>
+            <a:noFill/>
+          </a:ln>
+        </p:spPr>
+        <p:style>
+          <a:lnRef idx="2">
+            <a:schemeClr val="accent1">
+              <a:shade val="50000"/>
+            </a:schemeClr>
+          </a:lnRef>
+          <a:fillRef idx="1">
+            <a:schemeClr val="accent1"/>
+          </a:fillRef>
+          <a:effectRef idx="0">
+            <a:schemeClr val="accent1"/>
+          </a:effectRef>
+          <a:fontRef idx="minor">
+            <a:schemeClr val="lt1"/>
+          </a:fontRef>
+        </p:style>
+        <p:txBody>
+          <a:bodyPr rtlCol="0" anchor="ctr"/>
+          <a:lstStyle/>
+          <a:p>
+            <a:pPr algn="ctr" defTabSz="457189"/>
+            <a:endParaRPr lang="zh-CN" altLang="en-US" sz="1867">
+              <a:solidFill>
+                <a:prstClr val="white"/>
+              </a:solidFill>
+              <a:latin typeface="Arial"/>
+              <a:ea typeface="微软雅黑"/>
+            </a:endParaRPr>
+          </a:p>
+        </p:txBody>
+      </p:sp>
+      <p:sp>
+        <p:nvSpPr>
+          <p:cNvPr id="26" name="圆角矩形 25"/>
+          <p:cNvSpPr/>
+          <p:nvPr/>
+        </p:nvSpPr>
+        <p:spPr>
+          <a:xfrm>
+            <a:off x="4745440" y="3908650"/>
+            <a:ext cx="5492016" cy="602247"/>
+          </a:xfrm>
+          <a:prstGeom prst="roundRect">
+            <a:avLst>
+              <a:gd name="adj" fmla="val 50000"/>
+            </a:avLst>
+          </a:prstGeom>
+          <a:solidFill>
+            <a:schemeClr val="accent1"/>
+          </a:solidFill>
+          <a:ln>
+            <a:noFill/>
+          </a:ln>
+        </p:spPr>
+        <p:style>
+          <a:lnRef idx="2">
+            <a:schemeClr val="accent1">
+              <a:shade val="50000"/>
+            </a:schemeClr>
+          </a:lnRef>
+          <a:fillRef idx="1">
+            <a:schemeClr val="accent1"/>
+          </a:fillRef>
+          <a:effectRef idx="0">
+            <a:schemeClr val="accent1"/>
+          </a:effectRef>
+          <a:fontRef idx="minor">
+            <a:schemeClr val="lt1"/>
+          </a:fontRef>
+        </p:style>
+        <p:txBody>
+          <a:bodyPr rtlCol="0" anchor="ctr"/>
+          <a:lstStyle/>
+          <a:p>
+            <a:pPr algn="ctr" defTabSz="457189"/>
+            <a:endParaRPr lang="zh-CN" altLang="en-US" sz="1867">
+              <a:solidFill>
+                <a:prstClr val="white"/>
+              </a:solidFill>
+              <a:latin typeface="Arial"/>
+              <a:ea typeface="微软雅黑"/>
+            </a:endParaRPr>
+          </a:p>
+        </p:txBody>
+      </p:sp>
+      <p:sp>
+        <p:nvSpPr>
+          <p:cNvPr id="27" name="圆角矩形 26"/>
+          <p:cNvSpPr/>
+          <p:nvPr/>
+        </p:nvSpPr>
+        <p:spPr>
+          <a:xfrm>
+            <a:off x="4745440" y="4887841"/>
+            <a:ext cx="5492016" cy="602247"/>
+          </a:xfrm>
+          <a:prstGeom prst="roundRect">
+            <a:avLst>
+              <a:gd name="adj" fmla="val 50000"/>
+            </a:avLst>
+          </a:prstGeom>
+          <a:solidFill>
+            <a:schemeClr val="accent1"/>
+          </a:solidFill>
+          <a:ln>
+            <a:noFill/>
+          </a:ln>
+        </p:spPr>
+        <p:style>
+          <a:lnRef idx="2">
+            <a:schemeClr val="accent1">
+              <a:shade val="50000"/>
+            </a:schemeClr>
+          </a:lnRef>
+          <a:fillRef idx="1">
+            <a:schemeClr val="accent1"/>
+          </a:fillRef>
+          <a:effectRef idx="0">
+            <a:schemeClr val="accent1"/>
+          </a:effectRef>
+          <a:fontRef idx="minor">
+            <a:schemeClr val="lt1"/>
+          </a:fontRef>
+        </p:style>
+        <p:txBody>
+          <a:bodyPr rtlCol="0" anchor="ctr"/>
+          <a:lstStyle/>
+          <a:p>
+            <a:pPr algn="ctr" defTabSz="457189"/>
+            <a:endParaRPr lang="zh-CN" altLang="en-US" sz="1867">
+              <a:solidFill>
+                <a:prstClr val="white"/>
+              </a:solidFill>
+              <a:latin typeface="Arial"/>
+              <a:ea typeface="微软雅黑"/>
+            </a:endParaRPr>
+          </a:p>
+        </p:txBody>
+      </p:sp>
+      <p:sp>
+        <p:nvSpPr>
+          <p:cNvPr id="28" name="TextBox 27"/>
+          <p:cNvSpPr txBox="1"/>
+          <p:nvPr/>
+        </p:nvSpPr>
+        <p:spPr>
+          <a:xfrm>
+            <a:off x="5170123" y="2147685"/>
+            <a:ext cx="4608512" cy="218008"/>
+          </a:xfrm>
+          <a:prstGeom prst="rect">
+            <a:avLst/>
+          </a:prstGeom>
+          <a:noFill/>
+        </p:spPr>
+        <p:txBody>
+          <a:bodyPr wrap="square" lIns="0" tIns="0" rIns="0" bIns="0" rtlCol="0">
+            <a:spAutoFit/>
+          </a:bodyPr>
+          <a:lstStyle>
+            <a:defPPr>
+              <a:defRPr lang="zh-CN"/>
+            </a:defPPr>
+            <a:lvl1pPr algn="just">
+              <a:lnSpc>
+                <a:spcPts val="1300"/>
+              </a:lnSpc>
+              <a:defRPr sz="1000">
+                <a:solidFill>
+                  <a:schemeClr val="tx1">
+                    <a:lumMod val="65000"/>
+                    <a:lumOff val="35000"/>
+                  </a:schemeClr>
+                </a:solidFill>
+                <a:latin typeface="微软雅黑" pitchFamily="34" charset="-122"/>
+                <a:ea typeface="微软雅黑" pitchFamily="34" charset="-122"/>
+              </a:defRPr>
+            </a:lvl1pPr>
+          </a:lstStyle>
+          <a:p>
+            <a:pPr defTabSz="457189">
+              <a:lnSpc>
+                <a:spcPts val="1733"/>
+              </a:lnSpc>
+            </a:pPr>
+            <a:r>
+              <a:rPr lang="zh-CN" altLang="en-US" sz="1600" dirty="0">
+                <a:solidFill>
+                  <a:prstClr val="white"/>
+                </a:solidFill>
+              </a:rPr>
+              <a:t>总结性观点之一，条目根据您的需求请酌情增减。</a:t>
+            </a:r>
+            <a:endParaRPr lang="en-US" altLang="zh-CN" sz="1600" dirty="0">
+              <a:solidFill>
+                <a:prstClr val="white"/>
+              </a:solidFill>
+            </a:endParaRPr>
+          </a:p>
+        </p:txBody>
+      </p:sp>
+      <p:sp>
+        <p:nvSpPr>
+          <p:cNvPr id="29" name="TextBox 28"/>
+          <p:cNvSpPr txBox="1"/>
+          <p:nvPr/>
+        </p:nvSpPr>
+        <p:spPr>
+          <a:xfrm>
+            <a:off x="5170123" y="3119439"/>
+            <a:ext cx="4608512" cy="218008"/>
+          </a:xfrm>
+          <a:prstGeom prst="rect">
+            <a:avLst/>
+          </a:prstGeom>
+          <a:noFill/>
+        </p:spPr>
+        <p:txBody>
+          <a:bodyPr wrap="square" lIns="0" tIns="0" rIns="0" bIns="0" rtlCol="0">
+            <a:spAutoFit/>
+          </a:bodyPr>
+          <a:lstStyle>
+            <a:defPPr>
+              <a:defRPr lang="zh-CN"/>
+            </a:defPPr>
+            <a:lvl1pPr algn="just">
+              <a:lnSpc>
+                <a:spcPts val="1300"/>
+              </a:lnSpc>
+              <a:defRPr sz="1000">
+                <a:solidFill>
+                  <a:schemeClr val="tx1">
+                    <a:lumMod val="65000"/>
+                    <a:lumOff val="35000"/>
+                  </a:schemeClr>
+                </a:solidFill>
+                <a:latin typeface="微软雅黑" pitchFamily="34" charset="-122"/>
+                <a:ea typeface="微软雅黑" pitchFamily="34" charset="-122"/>
+              </a:defRPr>
+            </a:lvl1pPr>
+          </a:lstStyle>
+          <a:p>
+            <a:pPr defTabSz="457189">
+              <a:lnSpc>
+                <a:spcPts val="1733"/>
+              </a:lnSpc>
+            </a:pPr>
+            <a:r>
+              <a:rPr lang="zh-CN" altLang="en-US" sz="1600" dirty="0">
+                <a:solidFill>
+                  <a:prstClr val="white"/>
+                </a:solidFill>
+              </a:rPr>
+              <a:t>总结性观点之二，条目根据您的需求请酌情增减。</a:t>
+            </a:r>
+            <a:endParaRPr lang="en-US" altLang="zh-CN" sz="1600" dirty="0">
+              <a:solidFill>
+                <a:prstClr val="white"/>
+              </a:solidFill>
+            </a:endParaRPr>
+          </a:p>
+        </p:txBody>
+      </p:sp>
+      <p:sp>
+        <p:nvSpPr>
+          <p:cNvPr id="30" name="TextBox 29"/>
+          <p:cNvSpPr txBox="1"/>
+          <p:nvPr/>
+        </p:nvSpPr>
+        <p:spPr>
+          <a:xfrm>
+            <a:off x="5170123" y="4098631"/>
+            <a:ext cx="4608512" cy="218008"/>
+          </a:xfrm>
+          <a:prstGeom prst="rect">
+            <a:avLst/>
+          </a:prstGeom>
+          <a:noFill/>
+        </p:spPr>
+        <p:txBody>
+          <a:bodyPr wrap="square" lIns="0" tIns="0" rIns="0" bIns="0" rtlCol="0">
+            <a:spAutoFit/>
+          </a:bodyPr>
+          <a:lstStyle>
+            <a:defPPr>
+              <a:defRPr lang="zh-CN"/>
+            </a:defPPr>
+            <a:lvl1pPr algn="just">
+              <a:lnSpc>
+                <a:spcPts val="1300"/>
+              </a:lnSpc>
+              <a:defRPr sz="1000">
+                <a:solidFill>
+                  <a:schemeClr val="tx1">
+                    <a:lumMod val="65000"/>
+                    <a:lumOff val="35000"/>
+                  </a:schemeClr>
+                </a:solidFill>
+                <a:latin typeface="微软雅黑" pitchFamily="34" charset="-122"/>
+                <a:ea typeface="微软雅黑" pitchFamily="34" charset="-122"/>
+              </a:defRPr>
+            </a:lvl1pPr>
+          </a:lstStyle>
+          <a:p>
+            <a:pPr defTabSz="457189">
+              <a:lnSpc>
+                <a:spcPts val="1733"/>
+              </a:lnSpc>
+            </a:pPr>
+            <a:r>
+              <a:rPr lang="zh-CN" altLang="en-US" sz="1600" dirty="0">
+                <a:solidFill>
+                  <a:prstClr val="white"/>
+                </a:solidFill>
+              </a:rPr>
+              <a:t>总结性观点之三，条目根据您的需求请酌情增减。</a:t>
+            </a:r>
+            <a:endParaRPr lang="en-US" altLang="zh-CN" sz="1600" dirty="0">
+              <a:solidFill>
+                <a:prstClr val="white"/>
+              </a:solidFill>
+            </a:endParaRPr>
+          </a:p>
+        </p:txBody>
+      </p:sp>
+      <p:sp>
+        <p:nvSpPr>
+          <p:cNvPr id="31" name="TextBox 30"/>
+          <p:cNvSpPr txBox="1"/>
+          <p:nvPr/>
+        </p:nvSpPr>
+        <p:spPr>
+          <a:xfrm>
+            <a:off x="5170123" y="5077822"/>
+            <a:ext cx="4608512" cy="218008"/>
+          </a:xfrm>
+          <a:prstGeom prst="rect">
+            <a:avLst/>
+          </a:prstGeom>
+          <a:noFill/>
+        </p:spPr>
+        <p:txBody>
+          <a:bodyPr wrap="square" lIns="0" tIns="0" rIns="0" bIns="0" rtlCol="0">
+            <a:spAutoFit/>
+          </a:bodyPr>
+          <a:lstStyle>
+            <a:defPPr>
+              <a:defRPr lang="zh-CN"/>
+            </a:defPPr>
+            <a:lvl1pPr algn="just">
+              <a:lnSpc>
+                <a:spcPts val="1300"/>
+              </a:lnSpc>
+              <a:defRPr sz="1000">
+                <a:solidFill>
+                  <a:schemeClr val="tx1">
+                    <a:lumMod val="65000"/>
+                    <a:lumOff val="35000"/>
+                  </a:schemeClr>
+                </a:solidFill>
+                <a:latin typeface="微软雅黑" pitchFamily="34" charset="-122"/>
+                <a:ea typeface="微软雅黑" pitchFamily="34" charset="-122"/>
+              </a:defRPr>
+            </a:lvl1pPr>
+          </a:lstStyle>
+          <a:p>
+            <a:pPr defTabSz="457189">
+              <a:lnSpc>
+                <a:spcPts val="1733"/>
+              </a:lnSpc>
+            </a:pPr>
+            <a:r>
+              <a:rPr lang="zh-CN" altLang="en-US" sz="1600" dirty="0">
+                <a:solidFill>
+                  <a:prstClr val="white"/>
+                </a:solidFill>
+              </a:rPr>
+              <a:t>总结性观点之四，条目根据您的需求请酌情增减。</a:t>
+            </a:r>
+            <a:endParaRPr lang="en-US" altLang="zh-CN" sz="1600" dirty="0">
+              <a:solidFill>
+                <a:prstClr val="white"/>
+              </a:solidFill>
+            </a:endParaRPr>
+          </a:p>
+        </p:txBody>
+      </p:sp>
+    </p:spTree>
+    <p:extLst>
+      <p:ext uri="{BB962C8B-B14F-4D97-AF65-F5344CB8AC3E}">
+        <p14:creationId xmlns:p14="http://schemas.microsoft.com/office/powerpoint/2010/main" val="4135940047"/>
+      </p:ext>
+    </p:extLst>
+  </p:cSld>
+  <p:clrMapOvr>
+    <a:masterClrMapping/>
+  </p:clrMapOvr>
+  <p:transition spd="slow" advClick="0" advTm="0">
+    <p:pull/>
+  </p:transition>
+  <p:timing>
+    <p:tnLst>
+      <p:par>
+        <p:cTn id="1" dur="indefinite" restart="never" nodeType="tmRoot">
+          <p:childTnLst>
+            <p:seq concurrent="1" nextAc="seek">
+              <p:cTn id="2" dur="indefinite" nodeType="mainSeq">
+                <p:childTnLst>
+                  <p:par>
+                    <p:cTn id="3" fill="hold">
+                      <p:stCondLst>
+                        <p:cond delay="indefinite"/>
+                        <p:cond evt="onBegin" delay="0">
+                          <p:tn val="2"/>
+                        </p:cond>
+                      </p:stCondLst>
+                      <p:childTnLst>
+                        <p:par>
+                          <p:cTn id="4" fill="hold">
+                            <p:stCondLst>
+                              <p:cond delay="0"/>
+                            </p:stCondLst>
+                            <p:childTnLst>
+                              <p:par>
+                                <p:cTn id="5" presetID="2" presetClass="entr" presetSubtype="8" fill="hold" grpId="0" nodeType="afterEffect">
+                                  <p:stCondLst>
+                                    <p:cond delay="0"/>
+                                  </p:stCondLst>
+                                  <p:childTnLst>
+                                    <p:set>
+                                      <p:cBhvr>
+                                        <p:cTn id="6" dur="1" fill="hold">
+                                          <p:stCondLst>
+                                            <p:cond delay="0"/>
+                                          </p:stCondLst>
+                                        </p:cTn>
+                                        <p:tgtEl>
+                                          <p:spTgt spid="20"/>
+                                        </p:tgtEl>
+                                        <p:attrNameLst>
+                                          <p:attrName>style.visibility</p:attrName>
+                                        </p:attrNameLst>
+                                      </p:cBhvr>
+                                      <p:to>
+                                        <p:strVal val="visible"/>
+                                      </p:to>
+                                    </p:set>
+                                    <p:anim calcmode="lin" valueType="num">
+                                      <p:cBhvr additive="base">
+                                        <p:cTn id="7" dur="500" fill="hold"/>
+                                        <p:tgtEl>
+                                          <p:spTgt spid="20"/>
+                                        </p:tgtEl>
+                                        <p:attrNameLst>
+                                          <p:attrName>ppt_x</p:attrName>
+                                        </p:attrNameLst>
+                                      </p:cBhvr>
+                                      <p:tavLst>
+                                        <p:tav tm="0">
+                                          <p:val>
+                                            <p:strVal val="0-#ppt_w/2"/>
+                                          </p:val>
+                                        </p:tav>
+                                        <p:tav tm="100000">
+                                          <p:val>
+                                            <p:strVal val="#ppt_x"/>
+                                          </p:val>
+                                        </p:tav>
+                                      </p:tavLst>
+                                    </p:anim>
+                                    <p:anim calcmode="lin" valueType="num">
+                                      <p:cBhvr additive="base">
+                                        <p:cTn id="8" dur="500" fill="hold"/>
+                                        <p:tgtEl>
+                                          <p:spTgt spid="20"/>
+                                        </p:tgtEl>
+                                        <p:attrNameLst>
+                                          <p:attrName>ppt_y</p:attrName>
+                                        </p:attrNameLst>
+                                      </p:cBhvr>
+                                      <p:tavLst>
+                                        <p:tav tm="0">
+                                          <p:val>
+                                            <p:strVal val="#ppt_y"/>
+                                          </p:val>
+                                        </p:tav>
+                                        <p:tav tm="100000">
+                                          <p:val>
+                                            <p:strVal val="#ppt_y"/>
+                                          </p:val>
+                                        </p:tav>
+                                      </p:tavLst>
+                                    </p:anim>
+                                  </p:childTnLst>
+                                </p:cTn>
+                              </p:par>
+                            </p:childTnLst>
+                          </p:cTn>
+                        </p:par>
+                        <p:par>
+                          <p:cTn id="9" fill="hold">
+                            <p:stCondLst>
+                              <p:cond delay="500"/>
+                            </p:stCondLst>
+                            <p:childTnLst>
+                              <p:par>
+                                <p:cTn id="10" presetID="22" presetClass="entr" presetSubtype="8" fill="hold" grpId="0" nodeType="afterEffect">
+                                  <p:stCondLst>
+                                    <p:cond delay="0"/>
+                                  </p:stCondLst>
+                                  <p:childTnLst>
+                                    <p:set>
+                                      <p:cBhvr>
+                                        <p:cTn id="11" dur="1" fill="hold">
+                                          <p:stCondLst>
+                                            <p:cond delay="0"/>
+                                          </p:stCondLst>
+                                        </p:cTn>
+                                        <p:tgtEl>
+                                          <p:spTgt spid="19"/>
+                                        </p:tgtEl>
+                                        <p:attrNameLst>
+                                          <p:attrName>style.visibility</p:attrName>
+                                        </p:attrNameLst>
+                                      </p:cBhvr>
+                                      <p:to>
+                                        <p:strVal val="visible"/>
+                                      </p:to>
+                                    </p:set>
+                                    <p:animEffect transition="in" filter="wipe(left)">
+                                      <p:cBhvr>
+                                        <p:cTn id="12" dur="500"/>
+                                        <p:tgtEl>
+                                          <p:spTgt spid="19"/>
+                                        </p:tgtEl>
+                                      </p:cBhvr>
+                                    </p:animEffect>
+                                  </p:childTnLst>
+                                </p:cTn>
+                              </p:par>
+                            </p:childTnLst>
+                          </p:cTn>
+                        </p:par>
+                      </p:childTnLst>
+                    </p:cTn>
+                  </p:par>
+                  <p:par>
+                    <p:cTn id="13" fill="hold">
+                      <p:stCondLst>
+                        <p:cond delay="indefinite"/>
+                      </p:stCondLst>
+                      <p:childTnLst>
+                        <p:par>
+                          <p:cTn id="14" fill="hold">
+                            <p:stCondLst>
+                              <p:cond delay="0"/>
+                            </p:stCondLst>
+                            <p:childTnLst>
+                              <p:par>
+                                <p:cTn id="15" presetID="45" presetClass="entr" presetSubtype="0" fill="hold" grpId="0" nodeType="clickEffect">
+                                  <p:stCondLst>
+                                    <p:cond delay="0"/>
+                                  </p:stCondLst>
+                                  <p:childTnLst>
+                                    <p:set>
+                                      <p:cBhvr>
+                                        <p:cTn id="16" dur="1" fill="hold">
+                                          <p:stCondLst>
+                                            <p:cond delay="0"/>
+                                          </p:stCondLst>
+                                        </p:cTn>
+                                        <p:tgtEl>
+                                          <p:spTgt spid="22"/>
+                                        </p:tgtEl>
+                                        <p:attrNameLst>
+                                          <p:attrName>style.visibility</p:attrName>
+                                        </p:attrNameLst>
+                                      </p:cBhvr>
+                                      <p:to>
+                                        <p:strVal val="visible"/>
+                                      </p:to>
+                                    </p:set>
+                                    <p:animEffect transition="in" filter="fade">
+                                      <p:cBhvr>
+                                        <p:cTn id="17" dur="2000"/>
+                                        <p:tgtEl>
+                                          <p:spTgt spid="22"/>
+                                        </p:tgtEl>
+                                      </p:cBhvr>
+                                    </p:animEffect>
+                                    <p:anim calcmode="lin" valueType="num">
+                                      <p:cBhvr>
+                                        <p:cTn id="18" dur="2000" fill="hold"/>
+                                        <p:tgtEl>
+                                          <p:spTgt spid="22"/>
+                                        </p:tgtEl>
+                                        <p:attrNameLst>
+                                          <p:attrName>ppt_w</p:attrName>
+                                        </p:attrNameLst>
+                                      </p:cBhvr>
+                                      <p:tavLst>
+                                        <p:tav tm="0" fmla="#ppt_w*sin(2.5*pi*$)">
+                                          <p:val>
+                                            <p:fltVal val="0"/>
+                                          </p:val>
+                                        </p:tav>
+                                        <p:tav tm="100000">
+                                          <p:val>
+                                            <p:fltVal val="1"/>
+                                          </p:val>
+                                        </p:tav>
+                                      </p:tavLst>
+                                    </p:anim>
+                                    <p:anim calcmode="lin" valueType="num">
+                                      <p:cBhvr>
+                                        <p:cTn id="19" dur="2000" fill="hold"/>
+                                        <p:tgtEl>
+                                          <p:spTgt spid="22"/>
+                                        </p:tgtEl>
+                                        <p:attrNameLst>
+                                          <p:attrName>ppt_h</p:attrName>
+                                        </p:attrNameLst>
+                                      </p:cBhvr>
+                                      <p:tavLst>
+                                        <p:tav tm="0">
+                                          <p:val>
+                                            <p:strVal val="#ppt_h"/>
+                                          </p:val>
+                                        </p:tav>
+                                        <p:tav tm="100000">
+                                          <p:val>
+                                            <p:strVal val="#ppt_h"/>
+                                          </p:val>
+                                        </p:tav>
+                                      </p:tavLst>
+                                    </p:anim>
+                                  </p:childTnLst>
+                                </p:cTn>
+                              </p:par>
+                              <p:par>
+                                <p:cTn id="20" presetID="45" presetClass="entr" presetSubtype="0" fill="hold" grpId="0" nodeType="withEffect">
+                                  <p:stCondLst>
+                                    <p:cond delay="0"/>
+                                  </p:stCondLst>
+                                  <p:childTnLst>
+                                    <p:set>
+                                      <p:cBhvr>
+                                        <p:cTn id="21" dur="1" fill="hold">
+                                          <p:stCondLst>
+                                            <p:cond delay="0"/>
+                                          </p:stCondLst>
+                                        </p:cTn>
+                                        <p:tgtEl>
+                                          <p:spTgt spid="21"/>
+                                        </p:tgtEl>
+                                        <p:attrNameLst>
+                                          <p:attrName>style.visibility</p:attrName>
+                                        </p:attrNameLst>
+                                      </p:cBhvr>
+                                      <p:to>
+                                        <p:strVal val="visible"/>
+                                      </p:to>
+                                    </p:set>
+                                    <p:animEffect transition="in" filter="fade">
+                                      <p:cBhvr>
+                                        <p:cTn id="22" dur="2000"/>
+                                        <p:tgtEl>
+                                          <p:spTgt spid="21"/>
+                                        </p:tgtEl>
+                                      </p:cBhvr>
+                                    </p:animEffect>
+                                    <p:anim calcmode="lin" valueType="num">
+                                      <p:cBhvr>
+                                        <p:cTn id="23" dur="2000" fill="hold"/>
+                                        <p:tgtEl>
+                                          <p:spTgt spid="21"/>
+                                        </p:tgtEl>
+                                        <p:attrNameLst>
+                                          <p:attrName>ppt_w</p:attrName>
+                                        </p:attrNameLst>
+                                      </p:cBhvr>
+                                      <p:tavLst>
+                                        <p:tav tm="0" fmla="#ppt_w*sin(2.5*pi*$)">
+                                          <p:val>
+                                            <p:fltVal val="0"/>
+                                          </p:val>
+                                        </p:tav>
+                                        <p:tav tm="100000">
+                                          <p:val>
+                                            <p:fltVal val="1"/>
+                                          </p:val>
+                                        </p:tav>
+                                      </p:tavLst>
+                                    </p:anim>
+                                    <p:anim calcmode="lin" valueType="num">
+                                      <p:cBhvr>
+                                        <p:cTn id="24" dur="2000" fill="hold"/>
+                                        <p:tgtEl>
+                                          <p:spTgt spid="21"/>
+                                        </p:tgtEl>
+                                        <p:attrNameLst>
+                                          <p:attrName>ppt_h</p:attrName>
+                                        </p:attrNameLst>
+                                      </p:cBhvr>
+                                      <p:tavLst>
+                                        <p:tav tm="0">
+                                          <p:val>
+                                            <p:strVal val="#ppt_h"/>
+                                          </p:val>
+                                        </p:tav>
+                                        <p:tav tm="100000">
+                                          <p:val>
+                                            <p:strVal val="#ppt_h"/>
+                                          </p:val>
+                                        </p:tav>
+                                      </p:tavLst>
+                                    </p:anim>
+                                  </p:childTnLst>
+                                </p:cTn>
+                              </p:par>
+                            </p:childTnLst>
+                          </p:cTn>
+                        </p:par>
+                        <p:par>
+                          <p:cTn id="25" fill="hold">
+                            <p:stCondLst>
+                              <p:cond delay="2000"/>
+                            </p:stCondLst>
+                            <p:childTnLst>
+                              <p:par>
+                                <p:cTn id="26" presetID="16" presetClass="entr" presetSubtype="26" fill="hold" grpId="0" nodeType="afterEffect">
+                                  <p:stCondLst>
+                                    <p:cond delay="0"/>
+                                  </p:stCondLst>
+                                  <p:childTnLst>
+                                    <p:set>
+                                      <p:cBhvr>
+                                        <p:cTn id="27" dur="1" fill="hold">
+                                          <p:stCondLst>
+                                            <p:cond delay="0"/>
+                                          </p:stCondLst>
+                                        </p:cTn>
+                                        <p:tgtEl>
+                                          <p:spTgt spid="24"/>
+                                        </p:tgtEl>
+                                        <p:attrNameLst>
+                                          <p:attrName>style.visibility</p:attrName>
+                                        </p:attrNameLst>
+                                      </p:cBhvr>
+                                      <p:to>
+                                        <p:strVal val="visible"/>
+                                      </p:to>
+                                    </p:set>
+                                    <p:animEffect transition="in" filter="barn(inHorizontal)">
+                                      <p:cBhvr>
+                                        <p:cTn id="28" dur="500"/>
+                                        <p:tgtEl>
+                                          <p:spTgt spid="24"/>
+                                        </p:tgtEl>
+                                      </p:cBhvr>
+                                    </p:animEffect>
+                                  </p:childTnLst>
+                                </p:cTn>
+                              </p:par>
+                            </p:childTnLst>
+                          </p:cTn>
+                        </p:par>
+                        <p:par>
+                          <p:cTn id="29" fill="hold">
+                            <p:stCondLst>
+                              <p:cond delay="2500"/>
+                            </p:stCondLst>
+                            <p:childTnLst>
+                              <p:par>
+                                <p:cTn id="30" presetID="22" presetClass="entr" presetSubtype="8" fill="hold" grpId="0" nodeType="afterEffect">
+                                  <p:stCondLst>
+                                    <p:cond delay="0"/>
+                                  </p:stCondLst>
+                                  <p:childTnLst>
+                                    <p:set>
+                                      <p:cBhvr>
+                                        <p:cTn id="31" dur="1" fill="hold">
+                                          <p:stCondLst>
+                                            <p:cond delay="0"/>
+                                          </p:stCondLst>
+                                        </p:cTn>
+                                        <p:tgtEl>
+                                          <p:spTgt spid="28"/>
+                                        </p:tgtEl>
+                                        <p:attrNameLst>
+                                          <p:attrName>style.visibility</p:attrName>
+                                        </p:attrNameLst>
+                                      </p:cBhvr>
+                                      <p:to>
+                                        <p:strVal val="visible"/>
+                                      </p:to>
+                                    </p:set>
+                                    <p:animEffect transition="in" filter="wipe(left)">
+                                      <p:cBhvr>
+                                        <p:cTn id="32" dur="500"/>
+                                        <p:tgtEl>
+                                          <p:spTgt spid="28"/>
+                                        </p:tgtEl>
+                                      </p:cBhvr>
+                                    </p:animEffect>
+                                  </p:childTnLst>
+                                </p:cTn>
+                              </p:par>
+                              <p:par>
+                                <p:cTn id="33" presetID="22" presetClass="entr" presetSubtype="8" fill="hold" grpId="0" nodeType="withEffect">
+                                  <p:stCondLst>
+                                    <p:cond delay="0"/>
+                                  </p:stCondLst>
+                                  <p:childTnLst>
+                                    <p:set>
+                                      <p:cBhvr>
+                                        <p:cTn id="34" dur="1" fill="hold">
+                                          <p:stCondLst>
+                                            <p:cond delay="0"/>
+                                          </p:stCondLst>
+                                        </p:cTn>
+                                        <p:tgtEl>
+                                          <p:spTgt spid="23"/>
+                                        </p:tgtEl>
+                                        <p:attrNameLst>
+                                          <p:attrName>style.visibility</p:attrName>
+                                        </p:attrNameLst>
+                                      </p:cBhvr>
+                                      <p:to>
+                                        <p:strVal val="visible"/>
+                                      </p:to>
+                                    </p:set>
+                                    <p:animEffect transition="in" filter="wipe(left)">
+                                      <p:cBhvr>
+                                        <p:cTn id="35" dur="500"/>
+                                        <p:tgtEl>
+                                          <p:spTgt spid="23"/>
+                                        </p:tgtEl>
+                                      </p:cBhvr>
+                                    </p:animEffect>
+                                  </p:childTnLst>
+                                </p:cTn>
+                              </p:par>
+                            </p:childTnLst>
+                          </p:cTn>
+                        </p:par>
+                        <p:par>
+                          <p:cTn id="36" fill="hold">
+                            <p:stCondLst>
+                              <p:cond delay="3000"/>
+                            </p:stCondLst>
+                            <p:childTnLst>
+                              <p:par>
+                                <p:cTn id="37" presetID="22" presetClass="entr" presetSubtype="8" fill="hold" grpId="0" nodeType="afterEffect">
+                                  <p:stCondLst>
+                                    <p:cond delay="0"/>
+                                  </p:stCondLst>
+                                  <p:childTnLst>
+                                    <p:set>
+                                      <p:cBhvr>
+                                        <p:cTn id="38" dur="1" fill="hold">
+                                          <p:stCondLst>
+                                            <p:cond delay="0"/>
+                                          </p:stCondLst>
+                                        </p:cTn>
+                                        <p:tgtEl>
+                                          <p:spTgt spid="25"/>
+                                        </p:tgtEl>
+                                        <p:attrNameLst>
+                                          <p:attrName>style.visibility</p:attrName>
+                                        </p:attrNameLst>
+                                      </p:cBhvr>
+                                      <p:to>
+                                        <p:strVal val="visible"/>
+                                      </p:to>
+                                    </p:set>
+                                    <p:animEffect transition="in" filter="wipe(left)">
+                                      <p:cBhvr>
+                                        <p:cTn id="39" dur="500"/>
+                                        <p:tgtEl>
+                                          <p:spTgt spid="25"/>
+                                        </p:tgtEl>
+                                      </p:cBhvr>
+                                    </p:animEffect>
+                                  </p:childTnLst>
+                                </p:cTn>
+                              </p:par>
+                              <p:par>
+                                <p:cTn id="40" presetID="22" presetClass="entr" presetSubtype="8" fill="hold" grpId="0" nodeType="withEffect">
+                                  <p:stCondLst>
+                                    <p:cond delay="0"/>
+                                  </p:stCondLst>
+                                  <p:childTnLst>
+                                    <p:set>
+                                      <p:cBhvr>
+                                        <p:cTn id="41" dur="1" fill="hold">
+                                          <p:stCondLst>
+                                            <p:cond delay="0"/>
+                                          </p:stCondLst>
+                                        </p:cTn>
+                                        <p:tgtEl>
+                                          <p:spTgt spid="29"/>
+                                        </p:tgtEl>
+                                        <p:attrNameLst>
+                                          <p:attrName>style.visibility</p:attrName>
+                                        </p:attrNameLst>
+                                      </p:cBhvr>
+                                      <p:to>
+                                        <p:strVal val="visible"/>
+                                      </p:to>
+                                    </p:set>
+                                    <p:animEffect transition="in" filter="wipe(left)">
+                                      <p:cBhvr>
+                                        <p:cTn id="42" dur="500"/>
+                                        <p:tgtEl>
+                                          <p:spTgt spid="29"/>
+                                        </p:tgtEl>
+                                      </p:cBhvr>
+                                    </p:animEffect>
+                                  </p:childTnLst>
+                                </p:cTn>
+                              </p:par>
+                            </p:childTnLst>
+                          </p:cTn>
+                        </p:par>
+                        <p:par>
+                          <p:cTn id="43" fill="hold">
+                            <p:stCondLst>
+                              <p:cond delay="3500"/>
+                            </p:stCondLst>
+                            <p:childTnLst>
+                              <p:par>
+                                <p:cTn id="44" presetID="22" presetClass="entr" presetSubtype="8" fill="hold" grpId="0" nodeType="afterEffect">
+                                  <p:stCondLst>
+                                    <p:cond delay="0"/>
+                                  </p:stCondLst>
+                                  <p:childTnLst>
+                                    <p:set>
+                                      <p:cBhvr>
+                                        <p:cTn id="45" dur="1" fill="hold">
+                                          <p:stCondLst>
+                                            <p:cond delay="0"/>
+                                          </p:stCondLst>
+                                        </p:cTn>
+                                        <p:tgtEl>
+                                          <p:spTgt spid="26"/>
+                                        </p:tgtEl>
+                                        <p:attrNameLst>
+                                          <p:attrName>style.visibility</p:attrName>
+                                        </p:attrNameLst>
+                                      </p:cBhvr>
+                                      <p:to>
+                                        <p:strVal val="visible"/>
+                                      </p:to>
+                                    </p:set>
+                                    <p:animEffect transition="in" filter="wipe(left)">
+                                      <p:cBhvr>
+                                        <p:cTn id="46" dur="500"/>
+                                        <p:tgtEl>
+                                          <p:spTgt spid="26"/>
+                                        </p:tgtEl>
+                                      </p:cBhvr>
+                                    </p:animEffect>
+                                  </p:childTnLst>
+                                </p:cTn>
+                              </p:par>
+                              <p:par>
+                                <p:cTn id="47" presetID="22" presetClass="entr" presetSubtype="8" fill="hold" grpId="0" nodeType="withEffect">
+                                  <p:stCondLst>
+                                    <p:cond delay="0"/>
+                                  </p:stCondLst>
+                                  <p:childTnLst>
+                                    <p:set>
+                                      <p:cBhvr>
+                                        <p:cTn id="48" dur="1" fill="hold">
+                                          <p:stCondLst>
+                                            <p:cond delay="0"/>
+                                          </p:stCondLst>
+                                        </p:cTn>
+                                        <p:tgtEl>
+                                          <p:spTgt spid="30"/>
+                                        </p:tgtEl>
+                                        <p:attrNameLst>
+                                          <p:attrName>style.visibility</p:attrName>
+                                        </p:attrNameLst>
+                                      </p:cBhvr>
+                                      <p:to>
+                                        <p:strVal val="visible"/>
+                                      </p:to>
+                                    </p:set>
+                                    <p:animEffect transition="in" filter="wipe(left)">
+                                      <p:cBhvr>
+                                        <p:cTn id="49" dur="500"/>
+                                        <p:tgtEl>
+                                          <p:spTgt spid="30"/>
+                                        </p:tgtEl>
+                                      </p:cBhvr>
+                                    </p:animEffect>
+                                  </p:childTnLst>
+                                </p:cTn>
+                              </p:par>
+                            </p:childTnLst>
+                          </p:cTn>
+                        </p:par>
+                        <p:par>
+                          <p:cTn id="50" fill="hold">
+                            <p:stCondLst>
+                              <p:cond delay="4000"/>
+                            </p:stCondLst>
+                            <p:childTnLst>
+                              <p:par>
+                                <p:cTn id="51" presetID="22" presetClass="entr" presetSubtype="8" fill="hold" grpId="0" nodeType="afterEffect">
+                                  <p:stCondLst>
+                                    <p:cond delay="0"/>
+                                  </p:stCondLst>
+                                  <p:childTnLst>
+                                    <p:set>
+                                      <p:cBhvr>
+                                        <p:cTn id="52" dur="1" fill="hold">
+                                          <p:stCondLst>
+                                            <p:cond delay="0"/>
+                                          </p:stCondLst>
+                                        </p:cTn>
+                                        <p:tgtEl>
+                                          <p:spTgt spid="27"/>
+                                        </p:tgtEl>
+                                        <p:attrNameLst>
+                                          <p:attrName>style.visibility</p:attrName>
+                                        </p:attrNameLst>
+                                      </p:cBhvr>
+                                      <p:to>
+                                        <p:strVal val="visible"/>
+                                      </p:to>
+                                    </p:set>
+                                    <p:animEffect transition="in" filter="wipe(left)">
+                                      <p:cBhvr>
+                                        <p:cTn id="53" dur="500"/>
+                                        <p:tgtEl>
+                                          <p:spTgt spid="27"/>
+                                        </p:tgtEl>
+                                      </p:cBhvr>
+                                    </p:animEffect>
+                                  </p:childTnLst>
+                                </p:cTn>
+                              </p:par>
+                              <p:par>
+                                <p:cTn id="54" presetID="22" presetClass="entr" presetSubtype="8" fill="hold" grpId="0" nodeType="withEffect">
+                                  <p:stCondLst>
+                                    <p:cond delay="0"/>
+                                  </p:stCondLst>
+                                  <p:childTnLst>
+                                    <p:set>
+                                      <p:cBhvr>
+                                        <p:cTn id="55" dur="1" fill="hold">
+                                          <p:stCondLst>
+                                            <p:cond delay="0"/>
+                                          </p:stCondLst>
+                                        </p:cTn>
+                                        <p:tgtEl>
+                                          <p:spTgt spid="31"/>
+                                        </p:tgtEl>
+                                        <p:attrNameLst>
+                                          <p:attrName>style.visibility</p:attrName>
+                                        </p:attrNameLst>
+                                      </p:cBhvr>
+                                      <p:to>
+                                        <p:strVal val="visible"/>
+                                      </p:to>
+                                    </p:set>
+                                    <p:animEffect transition="in" filter="wipe(left)">
+                                      <p:cBhvr>
+                                        <p:cTn id="56" dur="500"/>
+                                        <p:tgtEl>
+                                          <p:spTgt spid="31"/>
+                                        </p:tgtEl>
+                                      </p:cBhvr>
+                                    </p:animEffect>
+                                  </p:childTnLst>
+                                </p:cTn>
+                              </p:par>
+                            </p:childTnLst>
+                          </p:cTn>
+                        </p:par>
+                      </p:childTnLst>
+                    </p:cTn>
+                  </p:par>
+                </p:childTnLst>
+              </p:cTn>
+              <p:prevCondLst>
+                <p:cond evt="onPrev" delay="0">
+                  <p:tgtEl>
+                    <p:sldTgt/>
+                  </p:tgtEl>
+                </p:cond>
+              </p:prevCondLst>
+              <p:nextCondLst>
+                <p:cond evt="onNext" delay="0">
+                  <p:tgtEl>
+                    <p:sldTgt/>
+                  </p:tgtEl>
+                </p:cond>
+              </p:nextCondLst>
+            </p:seq>
+          </p:childTnLst>
+        </p:cTn>
+      </p:par>
+    </p:tnLst>
+    <p:bldLst>
+      <p:bldP spid="19" grpId="0"/>
+      <p:bldP spid="20" grpId="0" animBg="1"/>
+      <p:bldP spid="21" grpId="0" animBg="1"/>
+      <p:bldP spid="22" grpId="0"/>
+      <p:bldP spid="23" grpId="0" animBg="1"/>
+      <p:bldP spid="24" grpId="0" animBg="1"/>
+      <p:bldP spid="25" grpId="0" animBg="1"/>
+      <p:bldP spid="26" grpId="0" animBg="1"/>
+      <p:bldP spid="27" grpId="0" animBg="1"/>
+      <p:bldP spid="28" grpId="0"/>
+      <p:bldP spid="29" grpId="0"/>
+      <p:bldP spid="30" grpId="0"/>
+      <p:bldP spid="31" grpId="0"/>
+    </p:bldLst>
+  </p:timing>
+</p:sld>
+</file>
+
+<file path=ppt/slides/slide15.xml><?xml version="1.0" encoding="utf-8"?>
+<p:sld xmlns:a="http://schemas.openxmlformats.org/drawingml/2006/main" xmlns:r="http://schemas.openxmlformats.org/officeDocument/2006/relationships" xmlns:p="http://schemas.openxmlformats.org/presentationml/2006/main">
+  <p:cSld>
+    <p:spTree>
+      <p:nvGrpSpPr>
+        <p:cNvPr id="1" name=""/>
+        <p:cNvGrpSpPr/>
+        <p:nvPr/>
+      </p:nvGrpSpPr>
+      <p:grpSpPr>
+        <a:xfrm>
+          <a:off x="0" y="0"/>
+          <a:ext cx="0" cy="0"/>
+          <a:chOff x="0" y="0"/>
+          <a:chExt cx="0" cy="0"/>
+        </a:xfrm>
+      </p:grpSpPr>
+      <p:sp>
+        <p:nvSpPr>
           <p:cNvPr id="13" name="TextBox 5"/>
           <p:cNvSpPr txBox="1"/>
           <p:nvPr/>
@@ -18213,7 +20524,7 @@
                 <a:latin typeface="微软雅黑" panose="020B0503020204020204" pitchFamily="34" charset="-122"/>
                 <a:ea typeface="微软雅黑" panose="020B0503020204020204" pitchFamily="34" charset="-122"/>
               </a:rPr>
-              <a:t>2017</a:t>
+              <a:t>2021</a:t>
             </a:r>
             <a:r>
               <a:rPr lang="zh-CN" altLang="en-US" sz="1867" b="1" dirty="0">
@@ -18223,7 +20534,7 @@
                 <a:latin typeface="微软雅黑" panose="020B0503020204020204" pitchFamily="34" charset="-122"/>
                 <a:ea typeface="微软雅黑" panose="020B0503020204020204" pitchFamily="34" charset="-122"/>
               </a:rPr>
-              <a:t>级信息管理与信息系统 </a:t>
+              <a:t>届信息管理与信息系统 </a:t>
             </a:r>
             <a:r>
               <a:rPr lang="en-US" altLang="zh-CN" sz="1867" b="1" dirty="0">
@@ -19313,7 +21624,7 @@
         </p:nvSpPr>
         <p:spPr bwMode="auto">
           <a:xfrm>
-            <a:off x="3943500" y="3126211"/>
+            <a:off x="3943500" y="4820063"/>
             <a:ext cx="2068801" cy="430885"/>
           </a:xfrm>
           <a:prstGeom prst="rect">
@@ -19525,7 +21836,7 @@
         </p:nvSpPr>
         <p:spPr bwMode="auto">
           <a:xfrm>
-            <a:off x="7370203" y="3859551"/>
+            <a:off x="6603874" y="3859141"/>
             <a:ext cx="2700245" cy="430885"/>
           </a:xfrm>
           <a:prstGeom prst="rect">
@@ -20221,7 +22532,7 @@
         </p:nvGrpSpPr>
         <p:grpSpPr>
           <a:xfrm>
-            <a:off x="8151513" y="2675794"/>
+            <a:off x="7370203" y="2660575"/>
             <a:ext cx="999564" cy="999925"/>
             <a:chOff x="3437020" y="3157655"/>
             <a:chExt cx="863676" cy="863988"/>
@@ -21577,6 +23888,1058 @@
           </p:sp>
         </p:grpSp>
       </p:grpSp>
+      <p:grpSp>
+        <p:nvGrpSpPr>
+          <p:cNvPr id="24" name="组合 23">
+            <a:extLst>
+              <a:ext uri="{FF2B5EF4-FFF2-40B4-BE49-F238E27FC236}">
+                <a16:creationId xmlns:a16="http://schemas.microsoft.com/office/drawing/2014/main" id="{92AE1752-ED79-4A4F-B8B4-F58931A2DDC8}"/>
+              </a:ext>
+            </a:extLst>
+          </p:cNvPr>
+          <p:cNvGrpSpPr/>
+          <p:nvPr/>
+        </p:nvGrpSpPr>
+        <p:grpSpPr>
+          <a:xfrm>
+            <a:off x="10430311" y="2879412"/>
+            <a:ext cx="999564" cy="1001763"/>
+            <a:chOff x="3437020" y="5246272"/>
+            <a:chExt cx="863676" cy="865576"/>
+          </a:xfrm>
+        </p:grpSpPr>
+        <p:sp>
+          <p:nvSpPr>
+            <p:cNvPr id="25" name="椭圆 21">
+              <a:extLst>
+                <a:ext uri="{FF2B5EF4-FFF2-40B4-BE49-F238E27FC236}">
+                  <a16:creationId xmlns:a16="http://schemas.microsoft.com/office/drawing/2014/main" id="{2C66B1AD-F844-4F23-B4BF-0EFC6B243D57}"/>
+                </a:ext>
+              </a:extLst>
+            </p:cNvPr>
+            <p:cNvSpPr>
+              <a:spLocks noChangeArrowheads="1"/>
+            </p:cNvSpPr>
+            <p:nvPr/>
+          </p:nvSpPr>
+          <p:spPr bwMode="auto">
+            <a:xfrm>
+              <a:off x="3437020" y="5246272"/>
+              <a:ext cx="863676" cy="865576"/>
+            </a:xfrm>
+            <a:prstGeom prst="ellipse">
+              <a:avLst/>
+            </a:prstGeom>
+            <a:solidFill>
+              <a:schemeClr val="accent1"/>
+            </a:solidFill>
+            <a:ln w="38100">
+              <a:solidFill>
+                <a:schemeClr val="bg1">
+                  <a:lumMod val="75000"/>
+                </a:schemeClr>
+              </a:solidFill>
+              <a:miter lim="800000"/>
+              <a:headEnd/>
+              <a:tailEnd/>
+            </a:ln>
+          </p:spPr>
+          <p:txBody>
+            <a:bodyPr anchor="ctr"/>
+            <a:lstStyle>
+              <a:lvl1pPr>
+                <a:spcBef>
+                  <a:spcPct val="20000"/>
+                </a:spcBef>
+                <a:buFont typeface="Arial" charset="0"/>
+                <a:buChar char="•"/>
+                <a:defRPr sz="3200">
+                  <a:solidFill>
+                    <a:schemeClr val="tx1"/>
+                  </a:solidFill>
+                  <a:latin typeface="微软雅黑" pitchFamily="34" charset="-122"/>
+                  <a:ea typeface="微软雅黑" pitchFamily="34" charset="-122"/>
+                  <a:sym typeface="Calibri" pitchFamily="34" charset="0"/>
+                </a:defRPr>
+              </a:lvl1pPr>
+              <a:lvl2pPr marL="742950" indent="-285750">
+                <a:spcBef>
+                  <a:spcPct val="20000"/>
+                </a:spcBef>
+                <a:buFont typeface="Arial" charset="0"/>
+                <a:buChar char="–"/>
+                <a:defRPr sz="2800">
+                  <a:solidFill>
+                    <a:schemeClr val="tx1"/>
+                  </a:solidFill>
+                  <a:latin typeface="微软雅黑" pitchFamily="34" charset="-122"/>
+                  <a:ea typeface="微软雅黑" pitchFamily="34" charset="-122"/>
+                  <a:sym typeface="Calibri" pitchFamily="34" charset="0"/>
+                </a:defRPr>
+              </a:lvl2pPr>
+              <a:lvl3pPr marL="1143000" indent="-228600">
+                <a:spcBef>
+                  <a:spcPct val="20000"/>
+                </a:spcBef>
+                <a:buFont typeface="Arial" charset="0"/>
+                <a:buChar char="•"/>
+                <a:defRPr sz="2400">
+                  <a:solidFill>
+                    <a:schemeClr val="tx1"/>
+                  </a:solidFill>
+                  <a:latin typeface="微软雅黑" pitchFamily="34" charset="-122"/>
+                  <a:ea typeface="微软雅黑" pitchFamily="34" charset="-122"/>
+                  <a:sym typeface="Calibri" pitchFamily="34" charset="0"/>
+                </a:defRPr>
+              </a:lvl3pPr>
+              <a:lvl4pPr marL="1600200" indent="-228600">
+                <a:spcBef>
+                  <a:spcPct val="20000"/>
+                </a:spcBef>
+                <a:buFont typeface="Arial" charset="0"/>
+                <a:buChar char="–"/>
+                <a:defRPr sz="2000">
+                  <a:solidFill>
+                    <a:schemeClr val="tx1"/>
+                  </a:solidFill>
+                  <a:latin typeface="微软雅黑" pitchFamily="34" charset="-122"/>
+                  <a:ea typeface="微软雅黑" pitchFamily="34" charset="-122"/>
+                  <a:sym typeface="Calibri" pitchFamily="34" charset="0"/>
+                </a:defRPr>
+              </a:lvl4pPr>
+              <a:lvl5pPr marL="2057400" indent="-228600">
+                <a:spcBef>
+                  <a:spcPct val="20000"/>
+                </a:spcBef>
+                <a:buFont typeface="Arial" charset="0"/>
+                <a:buChar char="»"/>
+                <a:defRPr sz="2000">
+                  <a:solidFill>
+                    <a:schemeClr val="tx1"/>
+                  </a:solidFill>
+                  <a:latin typeface="微软雅黑" pitchFamily="34" charset="-122"/>
+                  <a:ea typeface="微软雅黑" pitchFamily="34" charset="-122"/>
+                  <a:sym typeface="Calibri" pitchFamily="34" charset="0"/>
+                </a:defRPr>
+              </a:lvl5pPr>
+              <a:lvl6pPr marL="2514600" indent="-228600" eaLnBrk="0" fontAlgn="base" hangingPunct="0">
+                <a:spcBef>
+                  <a:spcPct val="20000"/>
+                </a:spcBef>
+                <a:spcAft>
+                  <a:spcPct val="0"/>
+                </a:spcAft>
+                <a:buFont typeface="Arial" charset="0"/>
+                <a:buChar char="»"/>
+                <a:defRPr sz="2000">
+                  <a:solidFill>
+                    <a:schemeClr val="tx1"/>
+                  </a:solidFill>
+                  <a:latin typeface="微软雅黑" pitchFamily="34" charset="-122"/>
+                  <a:ea typeface="微软雅黑" pitchFamily="34" charset="-122"/>
+                  <a:sym typeface="Calibri" pitchFamily="34" charset="0"/>
+                </a:defRPr>
+              </a:lvl6pPr>
+              <a:lvl7pPr marL="2971800" indent="-228600" eaLnBrk="0" fontAlgn="base" hangingPunct="0">
+                <a:spcBef>
+                  <a:spcPct val="20000"/>
+                </a:spcBef>
+                <a:spcAft>
+                  <a:spcPct val="0"/>
+                </a:spcAft>
+                <a:buFont typeface="Arial" charset="0"/>
+                <a:buChar char="»"/>
+                <a:defRPr sz="2000">
+                  <a:solidFill>
+                    <a:schemeClr val="tx1"/>
+                  </a:solidFill>
+                  <a:latin typeface="微软雅黑" pitchFamily="34" charset="-122"/>
+                  <a:ea typeface="微软雅黑" pitchFamily="34" charset="-122"/>
+                  <a:sym typeface="Calibri" pitchFamily="34" charset="0"/>
+                </a:defRPr>
+              </a:lvl7pPr>
+              <a:lvl8pPr marL="3429000" indent="-228600" eaLnBrk="0" fontAlgn="base" hangingPunct="0">
+                <a:spcBef>
+                  <a:spcPct val="20000"/>
+                </a:spcBef>
+                <a:spcAft>
+                  <a:spcPct val="0"/>
+                </a:spcAft>
+                <a:buFont typeface="Arial" charset="0"/>
+                <a:buChar char="»"/>
+                <a:defRPr sz="2000">
+                  <a:solidFill>
+                    <a:schemeClr val="tx1"/>
+                  </a:solidFill>
+                  <a:latin typeface="微软雅黑" pitchFamily="34" charset="-122"/>
+                  <a:ea typeface="微软雅黑" pitchFamily="34" charset="-122"/>
+                  <a:sym typeface="Calibri" pitchFamily="34" charset="0"/>
+                </a:defRPr>
+              </a:lvl8pPr>
+              <a:lvl9pPr marL="3886200" indent="-228600" eaLnBrk="0" fontAlgn="base" hangingPunct="0">
+                <a:spcBef>
+                  <a:spcPct val="20000"/>
+                </a:spcBef>
+                <a:spcAft>
+                  <a:spcPct val="0"/>
+                </a:spcAft>
+                <a:buFont typeface="Arial" charset="0"/>
+                <a:buChar char="»"/>
+                <a:defRPr sz="2000">
+                  <a:solidFill>
+                    <a:schemeClr val="tx1"/>
+                  </a:solidFill>
+                  <a:latin typeface="微软雅黑" pitchFamily="34" charset="-122"/>
+                  <a:ea typeface="微软雅黑" pitchFamily="34" charset="-122"/>
+                  <a:sym typeface="Calibri" pitchFamily="34" charset="0"/>
+                </a:defRPr>
+              </a:lvl9pPr>
+            </a:lstStyle>
+            <a:p>
+              <a:pPr algn="ctr" defTabSz="457189">
+                <a:spcBef>
+                  <a:spcPct val="0"/>
+                </a:spcBef>
+                <a:buNone/>
+              </a:pPr>
+              <a:endParaRPr lang="zh-CN" altLang="zh-CN" sz="2400">
+                <a:solidFill>
+                  <a:srgbClr val="FFFFFF"/>
+                </a:solidFill>
+                <a:sym typeface="微软雅黑" pitchFamily="34" charset="-122"/>
+              </a:endParaRPr>
+            </a:p>
+          </p:txBody>
+        </p:sp>
+        <p:sp>
+          <p:nvSpPr>
+            <p:cNvPr id="26" name="Freeform 9">
+              <a:extLst>
+                <a:ext uri="{FF2B5EF4-FFF2-40B4-BE49-F238E27FC236}">
+                  <a16:creationId xmlns:a16="http://schemas.microsoft.com/office/drawing/2014/main" id="{4BAD894B-3812-4C9E-ABB9-444F5970B8E7}"/>
+                </a:ext>
+              </a:extLst>
+            </p:cNvPr>
+            <p:cNvSpPr>
+              <a:spLocks noEditPoints="1"/>
+            </p:cNvSpPr>
+            <p:nvPr/>
+          </p:nvSpPr>
+          <p:spPr bwMode="auto">
+            <a:xfrm>
+              <a:off x="3564624" y="5446833"/>
+              <a:ext cx="605440" cy="464249"/>
+            </a:xfrm>
+            <a:custGeom>
+              <a:avLst/>
+              <a:gdLst>
+                <a:gd name="T0" fmla="*/ 16 w 104"/>
+                <a:gd name="T1" fmla="*/ 2 h 79"/>
+                <a:gd name="T2" fmla="*/ 27 w 104"/>
+                <a:gd name="T3" fmla="*/ 4 h 79"/>
+                <a:gd name="T4" fmla="*/ 19 w 104"/>
+                <a:gd name="T5" fmla="*/ 48 h 79"/>
+                <a:gd name="T6" fmla="*/ 4 w 104"/>
+                <a:gd name="T7" fmla="*/ 45 h 79"/>
+                <a:gd name="T8" fmla="*/ 16 w 104"/>
+                <a:gd name="T9" fmla="*/ 2 h 79"/>
+                <a:gd name="T10" fmla="*/ 18 w 104"/>
+                <a:gd name="T11" fmla="*/ 65 h 79"/>
+                <a:gd name="T12" fmla="*/ 16 w 104"/>
+                <a:gd name="T13" fmla="*/ 72 h 79"/>
+                <a:gd name="T14" fmla="*/ 101 w 104"/>
+                <a:gd name="T15" fmla="*/ 72 h 79"/>
+                <a:gd name="T16" fmla="*/ 104 w 104"/>
+                <a:gd name="T17" fmla="*/ 72 h 79"/>
+                <a:gd name="T18" fmla="*/ 104 w 104"/>
+                <a:gd name="T19" fmla="*/ 68 h 79"/>
+                <a:gd name="T20" fmla="*/ 104 w 104"/>
+                <a:gd name="T21" fmla="*/ 26 h 79"/>
+                <a:gd name="T22" fmla="*/ 104 w 104"/>
+                <a:gd name="T23" fmla="*/ 24 h 79"/>
+                <a:gd name="T24" fmla="*/ 103 w 104"/>
+                <a:gd name="T25" fmla="*/ 23 h 79"/>
+                <a:gd name="T26" fmla="*/ 90 w 104"/>
+                <a:gd name="T27" fmla="*/ 10 h 79"/>
+                <a:gd name="T28" fmla="*/ 89 w 104"/>
+                <a:gd name="T29" fmla="*/ 9 h 79"/>
+                <a:gd name="T30" fmla="*/ 87 w 104"/>
+                <a:gd name="T31" fmla="*/ 9 h 79"/>
+                <a:gd name="T32" fmla="*/ 31 w 104"/>
+                <a:gd name="T33" fmla="*/ 9 h 79"/>
+                <a:gd name="T34" fmla="*/ 31 w 104"/>
+                <a:gd name="T35" fmla="*/ 17 h 79"/>
+                <a:gd name="T36" fmla="*/ 84 w 104"/>
+                <a:gd name="T37" fmla="*/ 17 h 79"/>
+                <a:gd name="T38" fmla="*/ 83 w 104"/>
+                <a:gd name="T39" fmla="*/ 28 h 79"/>
+                <a:gd name="T40" fmla="*/ 83 w 104"/>
+                <a:gd name="T41" fmla="*/ 30 h 79"/>
+                <a:gd name="T42" fmla="*/ 85 w 104"/>
+                <a:gd name="T43" fmla="*/ 30 h 79"/>
+                <a:gd name="T44" fmla="*/ 97 w 104"/>
+                <a:gd name="T45" fmla="*/ 29 h 79"/>
+                <a:gd name="T46" fmla="*/ 97 w 104"/>
+                <a:gd name="T47" fmla="*/ 65 h 79"/>
+                <a:gd name="T48" fmla="*/ 18 w 104"/>
+                <a:gd name="T49" fmla="*/ 65 h 79"/>
+                <a:gd name="T50" fmla="*/ 95 w 104"/>
+                <a:gd name="T51" fmla="*/ 26 h 79"/>
+                <a:gd name="T52" fmla="*/ 86 w 104"/>
+                <a:gd name="T53" fmla="*/ 26 h 79"/>
+                <a:gd name="T54" fmla="*/ 87 w 104"/>
+                <a:gd name="T55" fmla="*/ 18 h 79"/>
+                <a:gd name="T56" fmla="*/ 95 w 104"/>
+                <a:gd name="T57" fmla="*/ 26 h 79"/>
+                <a:gd name="T58" fmla="*/ 32 w 104"/>
+                <a:gd name="T59" fmla="*/ 43 h 79"/>
+                <a:gd name="T60" fmla="*/ 74 w 104"/>
+                <a:gd name="T61" fmla="*/ 43 h 79"/>
+                <a:gd name="T62" fmla="*/ 74 w 104"/>
+                <a:gd name="T63" fmla="*/ 45 h 79"/>
+                <a:gd name="T64" fmla="*/ 32 w 104"/>
+                <a:gd name="T65" fmla="*/ 45 h 79"/>
+                <a:gd name="T66" fmla="*/ 32 w 104"/>
+                <a:gd name="T67" fmla="*/ 43 h 79"/>
+                <a:gd name="T68" fmla="*/ 32 w 104"/>
+                <a:gd name="T69" fmla="*/ 32 h 79"/>
+                <a:gd name="T70" fmla="*/ 71 w 104"/>
+                <a:gd name="T71" fmla="*/ 32 h 79"/>
+                <a:gd name="T72" fmla="*/ 71 w 104"/>
+                <a:gd name="T73" fmla="*/ 35 h 79"/>
+                <a:gd name="T74" fmla="*/ 32 w 104"/>
+                <a:gd name="T75" fmla="*/ 35 h 79"/>
+                <a:gd name="T76" fmla="*/ 32 w 104"/>
+                <a:gd name="T77" fmla="*/ 32 h 79"/>
+                <a:gd name="T78" fmla="*/ 32 w 104"/>
+                <a:gd name="T79" fmla="*/ 22 h 79"/>
+                <a:gd name="T80" fmla="*/ 71 w 104"/>
+                <a:gd name="T81" fmla="*/ 22 h 79"/>
+                <a:gd name="T82" fmla="*/ 71 w 104"/>
+                <a:gd name="T83" fmla="*/ 25 h 79"/>
+                <a:gd name="T84" fmla="*/ 32 w 104"/>
+                <a:gd name="T85" fmla="*/ 25 h 79"/>
+                <a:gd name="T86" fmla="*/ 32 w 104"/>
+                <a:gd name="T87" fmla="*/ 22 h 79"/>
+                <a:gd name="T88" fmla="*/ 3 w 104"/>
+                <a:gd name="T89" fmla="*/ 66 h 79"/>
+                <a:gd name="T90" fmla="*/ 9 w 104"/>
+                <a:gd name="T91" fmla="*/ 68 h 79"/>
+                <a:gd name="T92" fmla="*/ 9 w 104"/>
+                <a:gd name="T93" fmla="*/ 74 h 79"/>
+                <a:gd name="T94" fmla="*/ 5 w 104"/>
+                <a:gd name="T95" fmla="*/ 79 h 79"/>
+                <a:gd name="T96" fmla="*/ 2 w 104"/>
+                <a:gd name="T97" fmla="*/ 78 h 79"/>
+                <a:gd name="T98" fmla="*/ 0 w 104"/>
+                <a:gd name="T99" fmla="*/ 72 h 79"/>
+                <a:gd name="T100" fmla="*/ 3 w 104"/>
+                <a:gd name="T101" fmla="*/ 66 h 79"/>
+                <a:gd name="T102" fmla="*/ 4 w 104"/>
+                <a:gd name="T103" fmla="*/ 48 h 79"/>
+                <a:gd name="T104" fmla="*/ 2 w 104"/>
+                <a:gd name="T105" fmla="*/ 65 h 79"/>
+                <a:gd name="T106" fmla="*/ 12 w 104"/>
+                <a:gd name="T107" fmla="*/ 67 h 79"/>
+                <a:gd name="T108" fmla="*/ 17 w 104"/>
+                <a:gd name="T109" fmla="*/ 51 h 79"/>
+                <a:gd name="T110" fmla="*/ 4 w 104"/>
+                <a:gd name="T111" fmla="*/ 48 h 79"/>
+              </a:gdLst>
+              <a:ahLst/>
+              <a:cxnLst>
+                <a:cxn ang="0">
+                  <a:pos x="T0" y="T1"/>
+                </a:cxn>
+                <a:cxn ang="0">
+                  <a:pos x="T2" y="T3"/>
+                </a:cxn>
+                <a:cxn ang="0">
+                  <a:pos x="T4" y="T5"/>
+                </a:cxn>
+                <a:cxn ang="0">
+                  <a:pos x="T6" y="T7"/>
+                </a:cxn>
+                <a:cxn ang="0">
+                  <a:pos x="T8" y="T9"/>
+                </a:cxn>
+                <a:cxn ang="0">
+                  <a:pos x="T10" y="T11"/>
+                </a:cxn>
+                <a:cxn ang="0">
+                  <a:pos x="T12" y="T13"/>
+                </a:cxn>
+                <a:cxn ang="0">
+                  <a:pos x="T14" y="T15"/>
+                </a:cxn>
+                <a:cxn ang="0">
+                  <a:pos x="T16" y="T17"/>
+                </a:cxn>
+                <a:cxn ang="0">
+                  <a:pos x="T18" y="T19"/>
+                </a:cxn>
+                <a:cxn ang="0">
+                  <a:pos x="T20" y="T21"/>
+                </a:cxn>
+                <a:cxn ang="0">
+                  <a:pos x="T22" y="T23"/>
+                </a:cxn>
+                <a:cxn ang="0">
+                  <a:pos x="T24" y="T25"/>
+                </a:cxn>
+                <a:cxn ang="0">
+                  <a:pos x="T26" y="T27"/>
+                </a:cxn>
+                <a:cxn ang="0">
+                  <a:pos x="T28" y="T29"/>
+                </a:cxn>
+                <a:cxn ang="0">
+                  <a:pos x="T30" y="T31"/>
+                </a:cxn>
+                <a:cxn ang="0">
+                  <a:pos x="T32" y="T33"/>
+                </a:cxn>
+                <a:cxn ang="0">
+                  <a:pos x="T34" y="T35"/>
+                </a:cxn>
+                <a:cxn ang="0">
+                  <a:pos x="T36" y="T37"/>
+                </a:cxn>
+                <a:cxn ang="0">
+                  <a:pos x="T38" y="T39"/>
+                </a:cxn>
+                <a:cxn ang="0">
+                  <a:pos x="T40" y="T41"/>
+                </a:cxn>
+                <a:cxn ang="0">
+                  <a:pos x="T42" y="T43"/>
+                </a:cxn>
+                <a:cxn ang="0">
+                  <a:pos x="T44" y="T45"/>
+                </a:cxn>
+                <a:cxn ang="0">
+                  <a:pos x="T46" y="T47"/>
+                </a:cxn>
+                <a:cxn ang="0">
+                  <a:pos x="T48" y="T49"/>
+                </a:cxn>
+                <a:cxn ang="0">
+                  <a:pos x="T50" y="T51"/>
+                </a:cxn>
+                <a:cxn ang="0">
+                  <a:pos x="T52" y="T53"/>
+                </a:cxn>
+                <a:cxn ang="0">
+                  <a:pos x="T54" y="T55"/>
+                </a:cxn>
+                <a:cxn ang="0">
+                  <a:pos x="T56" y="T57"/>
+                </a:cxn>
+                <a:cxn ang="0">
+                  <a:pos x="T58" y="T59"/>
+                </a:cxn>
+                <a:cxn ang="0">
+                  <a:pos x="T60" y="T61"/>
+                </a:cxn>
+                <a:cxn ang="0">
+                  <a:pos x="T62" y="T63"/>
+                </a:cxn>
+                <a:cxn ang="0">
+                  <a:pos x="T64" y="T65"/>
+                </a:cxn>
+                <a:cxn ang="0">
+                  <a:pos x="T66" y="T67"/>
+                </a:cxn>
+                <a:cxn ang="0">
+                  <a:pos x="T68" y="T69"/>
+                </a:cxn>
+                <a:cxn ang="0">
+                  <a:pos x="T70" y="T71"/>
+                </a:cxn>
+                <a:cxn ang="0">
+                  <a:pos x="T72" y="T73"/>
+                </a:cxn>
+                <a:cxn ang="0">
+                  <a:pos x="T74" y="T75"/>
+                </a:cxn>
+                <a:cxn ang="0">
+                  <a:pos x="T76" y="T77"/>
+                </a:cxn>
+                <a:cxn ang="0">
+                  <a:pos x="T78" y="T79"/>
+                </a:cxn>
+                <a:cxn ang="0">
+                  <a:pos x="T80" y="T81"/>
+                </a:cxn>
+                <a:cxn ang="0">
+                  <a:pos x="T82" y="T83"/>
+                </a:cxn>
+                <a:cxn ang="0">
+                  <a:pos x="T84" y="T85"/>
+                </a:cxn>
+                <a:cxn ang="0">
+                  <a:pos x="T86" y="T87"/>
+                </a:cxn>
+                <a:cxn ang="0">
+                  <a:pos x="T88" y="T89"/>
+                </a:cxn>
+                <a:cxn ang="0">
+                  <a:pos x="T90" y="T91"/>
+                </a:cxn>
+                <a:cxn ang="0">
+                  <a:pos x="T92" y="T93"/>
+                </a:cxn>
+                <a:cxn ang="0">
+                  <a:pos x="T94" y="T95"/>
+                </a:cxn>
+                <a:cxn ang="0">
+                  <a:pos x="T96" y="T97"/>
+                </a:cxn>
+                <a:cxn ang="0">
+                  <a:pos x="T98" y="T99"/>
+                </a:cxn>
+                <a:cxn ang="0">
+                  <a:pos x="T100" y="T101"/>
+                </a:cxn>
+                <a:cxn ang="0">
+                  <a:pos x="T102" y="T103"/>
+                </a:cxn>
+                <a:cxn ang="0">
+                  <a:pos x="T104" y="T105"/>
+                </a:cxn>
+                <a:cxn ang="0">
+                  <a:pos x="T106" y="T107"/>
+                </a:cxn>
+                <a:cxn ang="0">
+                  <a:pos x="T108" y="T109"/>
+                </a:cxn>
+                <a:cxn ang="0">
+                  <a:pos x="T110" y="T111"/>
+                </a:cxn>
+              </a:cxnLst>
+              <a:rect l="0" t="0" r="r" b="b"/>
+              <a:pathLst>
+                <a:path w="104" h="79">
+                  <a:moveTo>
+                    <a:pt x="16" y="2"/>
+                  </a:moveTo>
+                  <a:cubicBezTo>
+                    <a:pt x="21" y="0"/>
+                    <a:pt x="24" y="1"/>
+                    <a:pt x="27" y="4"/>
+                  </a:cubicBezTo>
+                  <a:cubicBezTo>
+                    <a:pt x="26" y="20"/>
+                    <a:pt x="23" y="35"/>
+                    <a:pt x="19" y="48"/>
+                  </a:cubicBezTo>
+                  <a:cubicBezTo>
+                    <a:pt x="14" y="47"/>
+                    <a:pt x="9" y="46"/>
+                    <a:pt x="4" y="45"/>
+                  </a:cubicBezTo>
+                  <a:cubicBezTo>
+                    <a:pt x="6" y="29"/>
+                    <a:pt x="10" y="15"/>
+                    <a:pt x="16" y="2"/>
+                  </a:cubicBezTo>
+                  <a:close/>
+                  <a:moveTo>
+                    <a:pt x="18" y="65"/>
+                  </a:moveTo>
+                  <a:cubicBezTo>
+                    <a:pt x="16" y="72"/>
+                    <a:pt x="16" y="72"/>
+                    <a:pt x="16" y="72"/>
+                  </a:cubicBezTo>
+                  <a:cubicBezTo>
+                    <a:pt x="69" y="72"/>
+                    <a:pt x="74" y="72"/>
+                    <a:pt x="101" y="72"/>
+                  </a:cubicBezTo>
+                  <a:cubicBezTo>
+                    <a:pt x="104" y="72"/>
+                    <a:pt x="104" y="72"/>
+                    <a:pt x="104" y="72"/>
+                  </a:cubicBezTo>
+                  <a:cubicBezTo>
+                    <a:pt x="104" y="68"/>
+                    <a:pt x="104" y="68"/>
+                    <a:pt x="104" y="68"/>
+                  </a:cubicBezTo>
+                  <a:cubicBezTo>
+                    <a:pt x="104" y="26"/>
+                    <a:pt x="104" y="26"/>
+                    <a:pt x="104" y="26"/>
+                  </a:cubicBezTo>
+                  <a:cubicBezTo>
+                    <a:pt x="104" y="24"/>
+                    <a:pt x="104" y="24"/>
+                    <a:pt x="104" y="24"/>
+                  </a:cubicBezTo>
+                  <a:cubicBezTo>
+                    <a:pt x="103" y="23"/>
+                    <a:pt x="103" y="23"/>
+                    <a:pt x="103" y="23"/>
+                  </a:cubicBezTo>
+                  <a:cubicBezTo>
+                    <a:pt x="90" y="10"/>
+                    <a:pt x="90" y="10"/>
+                    <a:pt x="90" y="10"/>
+                  </a:cubicBezTo>
+                  <a:cubicBezTo>
+                    <a:pt x="89" y="9"/>
+                    <a:pt x="89" y="9"/>
+                    <a:pt x="89" y="9"/>
+                  </a:cubicBezTo>
+                  <a:cubicBezTo>
+                    <a:pt x="87" y="9"/>
+                    <a:pt x="87" y="9"/>
+                    <a:pt x="87" y="9"/>
+                  </a:cubicBezTo>
+                  <a:cubicBezTo>
+                    <a:pt x="31" y="9"/>
+                    <a:pt x="31" y="9"/>
+                    <a:pt x="31" y="9"/>
+                  </a:cubicBezTo>
+                  <a:cubicBezTo>
+                    <a:pt x="31" y="12"/>
+                    <a:pt x="31" y="14"/>
+                    <a:pt x="31" y="17"/>
+                  </a:cubicBezTo>
+                  <a:cubicBezTo>
+                    <a:pt x="84" y="17"/>
+                    <a:pt x="84" y="17"/>
+                    <a:pt x="84" y="17"/>
+                  </a:cubicBezTo>
+                  <a:cubicBezTo>
+                    <a:pt x="83" y="28"/>
+                    <a:pt x="83" y="28"/>
+                    <a:pt x="83" y="28"/>
+                  </a:cubicBezTo>
+                  <a:cubicBezTo>
+                    <a:pt x="83" y="30"/>
+                    <a:pt x="83" y="30"/>
+                    <a:pt x="83" y="30"/>
+                  </a:cubicBezTo>
+                  <a:cubicBezTo>
+                    <a:pt x="85" y="30"/>
+                    <a:pt x="85" y="30"/>
+                    <a:pt x="85" y="30"/>
+                  </a:cubicBezTo>
+                  <a:cubicBezTo>
+                    <a:pt x="97" y="29"/>
+                    <a:pt x="97" y="29"/>
+                    <a:pt x="97" y="29"/>
+                  </a:cubicBezTo>
+                  <a:cubicBezTo>
+                    <a:pt x="97" y="65"/>
+                    <a:pt x="97" y="65"/>
+                    <a:pt x="97" y="65"/>
+                  </a:cubicBezTo>
+                  <a:cubicBezTo>
+                    <a:pt x="79" y="65"/>
+                    <a:pt x="57" y="65"/>
+                    <a:pt x="18" y="65"/>
+                  </a:cubicBezTo>
+                  <a:close/>
+                  <a:moveTo>
+                    <a:pt x="95" y="26"/>
+                  </a:moveTo>
+                  <a:cubicBezTo>
+                    <a:pt x="86" y="26"/>
+                    <a:pt x="86" y="26"/>
+                    <a:pt x="86" y="26"/>
+                  </a:cubicBezTo>
+                  <a:cubicBezTo>
+                    <a:pt x="87" y="18"/>
+                    <a:pt x="87" y="18"/>
+                    <a:pt x="87" y="18"/>
+                  </a:cubicBezTo>
+                  <a:cubicBezTo>
+                    <a:pt x="95" y="26"/>
+                    <a:pt x="95" y="26"/>
+                    <a:pt x="95" y="26"/>
+                  </a:cubicBezTo>
+                  <a:close/>
+                  <a:moveTo>
+                    <a:pt x="32" y="43"/>
+                  </a:moveTo>
+                  <a:cubicBezTo>
+                    <a:pt x="74" y="43"/>
+                    <a:pt x="74" y="43"/>
+                    <a:pt x="74" y="43"/>
+                  </a:cubicBezTo>
+                  <a:cubicBezTo>
+                    <a:pt x="74" y="45"/>
+                    <a:pt x="74" y="45"/>
+                    <a:pt x="74" y="45"/>
+                  </a:cubicBezTo>
+                  <a:cubicBezTo>
+                    <a:pt x="32" y="45"/>
+                    <a:pt x="32" y="45"/>
+                    <a:pt x="32" y="45"/>
+                  </a:cubicBezTo>
+                  <a:cubicBezTo>
+                    <a:pt x="32" y="43"/>
+                    <a:pt x="32" y="43"/>
+                    <a:pt x="32" y="43"/>
+                  </a:cubicBezTo>
+                  <a:close/>
+                  <a:moveTo>
+                    <a:pt x="32" y="32"/>
+                  </a:moveTo>
+                  <a:cubicBezTo>
+                    <a:pt x="71" y="32"/>
+                    <a:pt x="71" y="32"/>
+                    <a:pt x="71" y="32"/>
+                  </a:cubicBezTo>
+                  <a:cubicBezTo>
+                    <a:pt x="71" y="35"/>
+                    <a:pt x="71" y="35"/>
+                    <a:pt x="71" y="35"/>
+                  </a:cubicBezTo>
+                  <a:cubicBezTo>
+                    <a:pt x="32" y="35"/>
+                    <a:pt x="32" y="35"/>
+                    <a:pt x="32" y="35"/>
+                  </a:cubicBezTo>
+                  <a:cubicBezTo>
+                    <a:pt x="32" y="32"/>
+                    <a:pt x="32" y="32"/>
+                    <a:pt x="32" y="32"/>
+                  </a:cubicBezTo>
+                  <a:close/>
+                  <a:moveTo>
+                    <a:pt x="32" y="22"/>
+                  </a:moveTo>
+                  <a:cubicBezTo>
+                    <a:pt x="71" y="22"/>
+                    <a:pt x="71" y="22"/>
+                    <a:pt x="71" y="22"/>
+                  </a:cubicBezTo>
+                  <a:cubicBezTo>
+                    <a:pt x="71" y="25"/>
+                    <a:pt x="71" y="25"/>
+                    <a:pt x="71" y="25"/>
+                  </a:cubicBezTo>
+                  <a:cubicBezTo>
+                    <a:pt x="32" y="25"/>
+                    <a:pt x="32" y="25"/>
+                    <a:pt x="32" y="25"/>
+                  </a:cubicBezTo>
+                  <a:cubicBezTo>
+                    <a:pt x="32" y="22"/>
+                    <a:pt x="32" y="22"/>
+                    <a:pt x="32" y="22"/>
+                  </a:cubicBezTo>
+                  <a:close/>
+                  <a:moveTo>
+                    <a:pt x="3" y="66"/>
+                  </a:moveTo>
+                  <a:cubicBezTo>
+                    <a:pt x="9" y="68"/>
+                    <a:pt x="9" y="68"/>
+                    <a:pt x="9" y="68"/>
+                  </a:cubicBezTo>
+                  <a:cubicBezTo>
+                    <a:pt x="9" y="74"/>
+                    <a:pt x="9" y="74"/>
+                    <a:pt x="9" y="74"/>
+                  </a:cubicBezTo>
+                  <a:cubicBezTo>
+                    <a:pt x="5" y="79"/>
+                    <a:pt x="5" y="79"/>
+                    <a:pt x="5" y="79"/>
+                  </a:cubicBezTo>
+                  <a:cubicBezTo>
+                    <a:pt x="4" y="79"/>
+                    <a:pt x="3" y="79"/>
+                    <a:pt x="2" y="78"/>
+                  </a:cubicBezTo>
+                  <a:cubicBezTo>
+                    <a:pt x="0" y="72"/>
+                    <a:pt x="0" y="72"/>
+                    <a:pt x="0" y="72"/>
+                  </a:cubicBezTo>
+                  <a:cubicBezTo>
+                    <a:pt x="3" y="66"/>
+                    <a:pt x="3" y="66"/>
+                    <a:pt x="3" y="66"/>
+                  </a:cubicBezTo>
+                  <a:close/>
+                  <a:moveTo>
+                    <a:pt x="4" y="48"/>
+                  </a:moveTo>
+                  <a:cubicBezTo>
+                    <a:pt x="3" y="53"/>
+                    <a:pt x="3" y="59"/>
+                    <a:pt x="2" y="65"/>
+                  </a:cubicBezTo>
+                  <a:cubicBezTo>
+                    <a:pt x="5" y="65"/>
+                    <a:pt x="9" y="66"/>
+                    <a:pt x="12" y="67"/>
+                  </a:cubicBezTo>
+                  <a:cubicBezTo>
+                    <a:pt x="14" y="61"/>
+                    <a:pt x="15" y="56"/>
+                    <a:pt x="17" y="51"/>
+                  </a:cubicBezTo>
+                  <a:cubicBezTo>
+                    <a:pt x="13" y="50"/>
+                    <a:pt x="9" y="49"/>
+                    <a:pt x="4" y="48"/>
+                  </a:cubicBezTo>
+                  <a:close/>
+                </a:path>
+              </a:pathLst>
+            </a:custGeom>
+            <a:solidFill>
+              <a:schemeClr val="bg1"/>
+            </a:solidFill>
+            <a:ln>
+              <a:noFill/>
+            </a:ln>
+          </p:spPr>
+          <p:txBody>
+            <a:bodyPr vert="horz" wrap="square" lIns="121920" tIns="60960" rIns="121920" bIns="60960" numCol="1" anchor="t" anchorCtr="0" compatLnSpc="1">
+              <a:prstTxWarp prst="textNoShape">
+                <a:avLst/>
+              </a:prstTxWarp>
+            </a:bodyPr>
+            <a:lstStyle/>
+            <a:p>
+              <a:pPr defTabSz="457189"/>
+              <a:endParaRPr lang="zh-CN" altLang="en-US" sz="1867">
+                <a:solidFill>
+                  <a:prstClr val="black"/>
+                </a:solidFill>
+                <a:latin typeface="Arial"/>
+                <a:ea typeface="微软雅黑"/>
+              </a:endParaRPr>
+            </a:p>
+          </p:txBody>
+        </p:sp>
+      </p:grpSp>
+      <p:sp>
+        <p:nvSpPr>
+          <p:cNvPr id="27" name="矩形 68">
+            <a:extLst>
+              <a:ext uri="{FF2B5EF4-FFF2-40B4-BE49-F238E27FC236}">
+                <a16:creationId xmlns:a16="http://schemas.microsoft.com/office/drawing/2014/main" id="{7A55C171-BF82-4CB4-96F9-36D8FD0B3240}"/>
+              </a:ext>
+            </a:extLst>
+          </p:cNvPr>
+          <p:cNvSpPr>
+            <a:spLocks noChangeArrowheads="1"/>
+          </p:cNvSpPr>
+          <p:nvPr/>
+        </p:nvSpPr>
+        <p:spPr bwMode="auto">
+          <a:xfrm>
+            <a:off x="9627676" y="4103019"/>
+            <a:ext cx="2651547" cy="430885"/>
+          </a:xfrm>
+          <a:prstGeom prst="rect">
+            <a:avLst/>
+          </a:prstGeom>
+          <a:noFill/>
+          <a:ln>
+            <a:noFill/>
+          </a:ln>
+          <a:extLst>
+            <a:ext uri="{909E8E84-426E-40DD-AFC4-6F175D3DCCD1}">
+              <a14:hiddenFill xmlns:a14="http://schemas.microsoft.com/office/drawing/2010/main">
+                <a:solidFill>
+                  <a:srgbClr val="FFFFFF"/>
+                </a:solidFill>
+              </a14:hiddenFill>
+            </a:ext>
+            <a:ext uri="{91240B29-F687-4F45-9708-019B960494DF}">
+              <a14:hiddenLine xmlns:a14="http://schemas.microsoft.com/office/drawing/2010/main" w="9525">
+                <a:solidFill>
+                  <a:srgbClr val="000000"/>
+                </a:solidFill>
+                <a:miter lim="800000"/>
+                <a:headEnd/>
+                <a:tailEnd/>
+              </a14:hiddenLine>
+            </a:ext>
+          </a:extLst>
+        </p:spPr>
+        <p:txBody>
+          <a:bodyPr wrap="square" lIns="121917" tIns="60959" rIns="121917" bIns="60959">
+            <a:spAutoFit/>
+          </a:bodyPr>
+          <a:lstStyle>
+            <a:lvl1pPr>
+              <a:spcBef>
+                <a:spcPct val="20000"/>
+              </a:spcBef>
+              <a:buFont typeface="Arial" charset="0"/>
+              <a:buChar char="•"/>
+              <a:defRPr sz="3200">
+                <a:solidFill>
+                  <a:schemeClr val="tx1"/>
+                </a:solidFill>
+                <a:latin typeface="微软雅黑" pitchFamily="34" charset="-122"/>
+                <a:ea typeface="微软雅黑" pitchFamily="34" charset="-122"/>
+                <a:sym typeface="Calibri" pitchFamily="34" charset="0"/>
+              </a:defRPr>
+            </a:lvl1pPr>
+            <a:lvl2pPr marL="742950" indent="-285750">
+              <a:spcBef>
+                <a:spcPct val="20000"/>
+              </a:spcBef>
+              <a:buFont typeface="Arial" charset="0"/>
+              <a:buChar char="–"/>
+              <a:defRPr sz="2800">
+                <a:solidFill>
+                  <a:schemeClr val="tx1"/>
+                </a:solidFill>
+                <a:latin typeface="微软雅黑" pitchFamily="34" charset="-122"/>
+                <a:ea typeface="微软雅黑" pitchFamily="34" charset="-122"/>
+                <a:sym typeface="Calibri" pitchFamily="34" charset="0"/>
+              </a:defRPr>
+            </a:lvl2pPr>
+            <a:lvl3pPr marL="1143000" indent="-228600">
+              <a:spcBef>
+                <a:spcPct val="20000"/>
+              </a:spcBef>
+              <a:buFont typeface="Arial" charset="0"/>
+              <a:buChar char="•"/>
+              <a:defRPr sz="2400">
+                <a:solidFill>
+                  <a:schemeClr val="tx1"/>
+                </a:solidFill>
+                <a:latin typeface="微软雅黑" pitchFamily="34" charset="-122"/>
+                <a:ea typeface="微软雅黑" pitchFamily="34" charset="-122"/>
+                <a:sym typeface="Calibri" pitchFamily="34" charset="0"/>
+              </a:defRPr>
+            </a:lvl3pPr>
+            <a:lvl4pPr marL="1600200" indent="-228600">
+              <a:spcBef>
+                <a:spcPct val="20000"/>
+              </a:spcBef>
+              <a:buFont typeface="Arial" charset="0"/>
+              <a:buChar char="–"/>
+              <a:defRPr sz="2000">
+                <a:solidFill>
+                  <a:schemeClr val="tx1"/>
+                </a:solidFill>
+                <a:latin typeface="微软雅黑" pitchFamily="34" charset="-122"/>
+                <a:ea typeface="微软雅黑" pitchFamily="34" charset="-122"/>
+                <a:sym typeface="Calibri" pitchFamily="34" charset="0"/>
+              </a:defRPr>
+            </a:lvl4pPr>
+            <a:lvl5pPr marL="2057400" indent="-228600">
+              <a:spcBef>
+                <a:spcPct val="20000"/>
+              </a:spcBef>
+              <a:buFont typeface="Arial" charset="0"/>
+              <a:buChar char="»"/>
+              <a:defRPr sz="2000">
+                <a:solidFill>
+                  <a:schemeClr val="tx1"/>
+                </a:solidFill>
+                <a:latin typeface="微软雅黑" pitchFamily="34" charset="-122"/>
+                <a:ea typeface="微软雅黑" pitchFamily="34" charset="-122"/>
+                <a:sym typeface="Calibri" pitchFamily="34" charset="0"/>
+              </a:defRPr>
+            </a:lvl5pPr>
+            <a:lvl6pPr marL="2514600" indent="-228600" eaLnBrk="0" fontAlgn="base" hangingPunct="0">
+              <a:spcBef>
+                <a:spcPct val="20000"/>
+              </a:spcBef>
+              <a:spcAft>
+                <a:spcPct val="0"/>
+              </a:spcAft>
+              <a:buFont typeface="Arial" charset="0"/>
+              <a:buChar char="»"/>
+              <a:defRPr sz="2000">
+                <a:solidFill>
+                  <a:schemeClr val="tx1"/>
+                </a:solidFill>
+                <a:latin typeface="微软雅黑" pitchFamily="34" charset="-122"/>
+                <a:ea typeface="微软雅黑" pitchFamily="34" charset="-122"/>
+                <a:sym typeface="Calibri" pitchFamily="34" charset="0"/>
+              </a:defRPr>
+            </a:lvl6pPr>
+            <a:lvl7pPr marL="2971800" indent="-228600" eaLnBrk="0" fontAlgn="base" hangingPunct="0">
+              <a:spcBef>
+                <a:spcPct val="20000"/>
+              </a:spcBef>
+              <a:spcAft>
+                <a:spcPct val="0"/>
+              </a:spcAft>
+              <a:buFont typeface="Arial" charset="0"/>
+              <a:buChar char="»"/>
+              <a:defRPr sz="2000">
+                <a:solidFill>
+                  <a:schemeClr val="tx1"/>
+                </a:solidFill>
+                <a:latin typeface="微软雅黑" pitchFamily="34" charset="-122"/>
+                <a:ea typeface="微软雅黑" pitchFamily="34" charset="-122"/>
+                <a:sym typeface="Calibri" pitchFamily="34" charset="0"/>
+              </a:defRPr>
+            </a:lvl7pPr>
+            <a:lvl8pPr marL="3429000" indent="-228600" eaLnBrk="0" fontAlgn="base" hangingPunct="0">
+              <a:spcBef>
+                <a:spcPct val="20000"/>
+              </a:spcBef>
+              <a:spcAft>
+                <a:spcPct val="0"/>
+              </a:spcAft>
+              <a:buFont typeface="Arial" charset="0"/>
+              <a:buChar char="»"/>
+              <a:defRPr sz="2000">
+                <a:solidFill>
+                  <a:schemeClr val="tx1"/>
+                </a:solidFill>
+                <a:latin typeface="微软雅黑" pitchFamily="34" charset="-122"/>
+                <a:ea typeface="微软雅黑" pitchFamily="34" charset="-122"/>
+                <a:sym typeface="Calibri" pitchFamily="34" charset="0"/>
+              </a:defRPr>
+            </a:lvl8pPr>
+            <a:lvl9pPr marL="3886200" indent="-228600" eaLnBrk="0" fontAlgn="base" hangingPunct="0">
+              <a:spcBef>
+                <a:spcPct val="20000"/>
+              </a:spcBef>
+              <a:spcAft>
+                <a:spcPct val="0"/>
+              </a:spcAft>
+              <a:buFont typeface="Arial" charset="0"/>
+              <a:buChar char="»"/>
+              <a:defRPr sz="2000">
+                <a:solidFill>
+                  <a:schemeClr val="tx1"/>
+                </a:solidFill>
+                <a:latin typeface="微软雅黑" pitchFamily="34" charset="-122"/>
+                <a:ea typeface="微软雅黑" pitchFamily="34" charset="-122"/>
+                <a:sym typeface="Calibri" pitchFamily="34" charset="0"/>
+              </a:defRPr>
+            </a:lvl9pPr>
+          </a:lstStyle>
+          <a:p>
+            <a:pPr algn="ctr" defTabSz="457189">
+              <a:spcBef>
+                <a:spcPct val="0"/>
+              </a:spcBef>
+              <a:buNone/>
+            </a:pPr>
+            <a:r>
+              <a:rPr lang="zh-CN" altLang="en-US" sz="2000" b="1" dirty="0">
+                <a:solidFill>
+                  <a:srgbClr val="071F65"/>
+                </a:solidFill>
+                <a:sym typeface="微软雅黑" pitchFamily="34" charset="-122"/>
+              </a:rPr>
+              <a:t>总结</a:t>
+            </a:r>
+          </a:p>
+        </p:txBody>
+      </p:sp>
     </p:spTree>
     <p:extLst>
       <p:ext uri="{BB962C8B-B14F-4D97-AF65-F5344CB8AC3E}">
@@ -22120,6 +25483,132 @@
                             </p:childTnLst>
                           </p:cTn>
                         </p:par>
+                        <p:par>
+                          <p:cTn id="40" fill="hold">
+                            <p:stCondLst>
+                              <p:cond delay="4500"/>
+                            </p:stCondLst>
+                            <p:childTnLst>
+                              <p:par>
+                                <p:cTn id="41" presetID="2" presetClass="entr" presetSubtype="1" fill="hold" nodeType="afterEffect">
+                                  <p:stCondLst>
+                                    <p:cond delay="0"/>
+                                  </p:stCondLst>
+                                  <p:childTnLst>
+                                    <p:set>
+                                      <p:cBhvr>
+                                        <p:cTn id="42" dur="1" fill="hold">
+                                          <p:stCondLst>
+                                            <p:cond delay="0"/>
+                                          </p:stCondLst>
+                                        </p:cTn>
+                                        <p:tgtEl>
+                                          <p:spTgt spid="24"/>
+                                        </p:tgtEl>
+                                        <p:attrNameLst>
+                                          <p:attrName>style.visibility</p:attrName>
+                                        </p:attrNameLst>
+                                      </p:cBhvr>
+                                      <p:to>
+                                        <p:strVal val="visible"/>
+                                      </p:to>
+                                    </p:set>
+                                    <p:anim calcmode="lin" valueType="num">
+                                      <p:cBhvr additive="base">
+                                        <p:cTn id="43" dur="500" fill="hold"/>
+                                        <p:tgtEl>
+                                          <p:spTgt spid="24"/>
+                                        </p:tgtEl>
+                                        <p:attrNameLst>
+                                          <p:attrName>ppt_x</p:attrName>
+                                        </p:attrNameLst>
+                                      </p:cBhvr>
+                                      <p:tavLst>
+                                        <p:tav tm="0">
+                                          <p:val>
+                                            <p:strVal val="#ppt_x"/>
+                                          </p:val>
+                                        </p:tav>
+                                        <p:tav tm="100000">
+                                          <p:val>
+                                            <p:strVal val="#ppt_x"/>
+                                          </p:val>
+                                        </p:tav>
+                                      </p:tavLst>
+                                    </p:anim>
+                                    <p:anim calcmode="lin" valueType="num">
+                                      <p:cBhvr additive="base">
+                                        <p:cTn id="44" dur="500" fill="hold"/>
+                                        <p:tgtEl>
+                                          <p:spTgt spid="24"/>
+                                        </p:tgtEl>
+                                        <p:attrNameLst>
+                                          <p:attrName>ppt_y</p:attrName>
+                                        </p:attrNameLst>
+                                      </p:cBhvr>
+                                      <p:tavLst>
+                                        <p:tav tm="0">
+                                          <p:val>
+                                            <p:strVal val="0-#ppt_h/2"/>
+                                          </p:val>
+                                        </p:tav>
+                                        <p:tav tm="100000">
+                                          <p:val>
+                                            <p:strVal val="#ppt_y"/>
+                                          </p:val>
+                                        </p:tav>
+                                      </p:tavLst>
+                                    </p:anim>
+                                  </p:childTnLst>
+                                </p:cTn>
+                              </p:par>
+                            </p:childTnLst>
+                          </p:cTn>
+                        </p:par>
+                        <p:par>
+                          <p:cTn id="45" fill="hold">
+                            <p:stCondLst>
+                              <p:cond delay="5000"/>
+                            </p:stCondLst>
+                            <p:childTnLst>
+                              <p:par>
+                                <p:cTn id="46" presetID="22" presetClass="entr" presetSubtype="8" fill="hold" grpId="0" nodeType="afterEffect">
+                                  <p:stCondLst>
+                                    <p:cond delay="0"/>
+                                  </p:stCondLst>
+                                  <p:childTnLst>
+                                    <p:set>
+                                      <p:cBhvr>
+                                        <p:cTn id="47" dur="1" fill="hold">
+                                          <p:stCondLst>
+                                            <p:cond delay="0"/>
+                                          </p:stCondLst>
+                                        </p:cTn>
+                                        <p:tgtEl>
+                                          <p:spTgt spid="27"/>
+                                        </p:tgtEl>
+                                        <p:attrNameLst>
+                                          <p:attrName>style.visibility</p:attrName>
+                                        </p:attrNameLst>
+                                      </p:cBhvr>
+                                      <p:to>
+                                        <p:strVal val="visible"/>
+                                      </p:to>
+                                    </p:set>
+                                    <p:animEffect transition="in" filter="wipe(left)">
+                                      <p:cBhvr>
+                                        <p:cTn id="48" dur="500"/>
+                                        <p:tgtEl>
+                                          <p:spTgt spid="27"/>
+                                        </p:tgtEl>
+                                      </p:cBhvr>
+                                    </p:animEffect>
+                                  </p:childTnLst>
+                                </p:cTn>
+                              </p:par>
+                            </p:childTnLst>
+                          </p:cTn>
+                        </p:par>
                       </p:childTnLst>
                     </p:cTn>
                   </p:par>
@@ -22149,6 +25638,7 @@
       <p:bldP spid="44" grpId="0"/>
       <p:bldP spid="46" grpId="0"/>
       <p:bldP spid="47" grpId="0"/>
+      <p:bldP spid="27" grpId="0"/>
     </p:bldLst>
   </p:timing>
 </p:sld>
@@ -29258,8 +32748,8 @@
   <p:transition spd="slow" advClick="0" advTm="0">
     <p:pull/>
   </p:transition>
-  <mc:AlternateContent xmlns:mc="http://schemas.openxmlformats.org/markup-compatibility/2006">
-    <mc:Choice xmlns:p14="http://schemas.microsoft.com/office/powerpoint/2010/main" Requires="p14">
+  <mc:AlternateContent xmlns:mc="http://schemas.openxmlformats.org/markup-compatibility/2006" xmlns:p14="http://schemas.microsoft.com/office/powerpoint/2010/main">
+    <mc:Choice Requires="p14">
       <p:timing>
         <p:tnLst>
           <p:par>
@@ -30764,7 +34254,7 @@
         </p:bldLst>
       </p:timing>
     </mc:Choice>
-    <mc:Fallback>
+    <mc:Fallback xmlns="">
       <p:timing>
         <p:tnLst>
           <p:par>
@@ -34336,8 +37826,8 @@
   <p:transition spd="slow" advClick="0" advTm="0">
     <p:pull/>
   </p:transition>
-  <mc:AlternateContent xmlns:mc="http://schemas.openxmlformats.org/markup-compatibility/2006">
-    <mc:Choice xmlns:p14="http://schemas.microsoft.com/office/powerpoint/2010/main" Requires="p14">
+  <mc:AlternateContent xmlns:mc="http://schemas.openxmlformats.org/markup-compatibility/2006" xmlns:p14="http://schemas.microsoft.com/office/powerpoint/2010/main">
+    <mc:Choice Requires="p14">
       <p:timing>
         <p:tnLst>
           <p:par>
@@ -34883,7 +38373,7 @@
         </p:bldLst>
       </p:timing>
     </mc:Choice>
-    <mc:Fallback>
+    <mc:Fallback xmlns="">
       <p:timing>
         <p:tnLst>
           <p:par>
@@ -36828,8 +40318,8 @@
   <p:transition spd="slow" advClick="0" advTm="0">
     <p:wipe/>
   </p:transition>
-  <mc:AlternateContent xmlns:mc="http://schemas.openxmlformats.org/markup-compatibility/2006">
-    <mc:Choice xmlns:p14="http://schemas.microsoft.com/office/powerpoint/2010/main" Requires="p14">
+  <mc:AlternateContent xmlns:mc="http://schemas.openxmlformats.org/markup-compatibility/2006" xmlns:p14="http://schemas.microsoft.com/office/powerpoint/2010/main">
+    <mc:Choice Requires="p14">
       <p:timing>
         <p:tnLst>
           <p:par>
@@ -37375,7 +40865,7 @@
         </p:bldLst>
       </p:timing>
     </mc:Choice>
-    <mc:Fallback>
+    <mc:Fallback xmlns="">
       <p:timing>
         <p:tnLst>
           <p:par>
